--- a/docs/006 I - AngularJS.pptx
+++ b/docs/006 I - AngularJS.pptx
@@ -12,6 +12,19 @@
     <p:sldId id="262" r:id="rId6"/>
     <p:sldId id="261" r:id="rId7"/>
     <p:sldId id="260" r:id="rId8"/>
+    <p:sldId id="264" r:id="rId9"/>
+    <p:sldId id="265" r:id="rId10"/>
+    <p:sldId id="268" r:id="rId11"/>
+    <p:sldId id="266" r:id="rId12"/>
+    <p:sldId id="267" r:id="rId13"/>
+    <p:sldId id="269" r:id="rId14"/>
+    <p:sldId id="271" r:id="rId15"/>
+    <p:sldId id="270" r:id="rId16"/>
+    <p:sldId id="273" r:id="rId17"/>
+    <p:sldId id="272" r:id="rId18"/>
+    <p:sldId id="274" r:id="rId19"/>
+    <p:sldId id="275" r:id="rId20"/>
+    <p:sldId id="276" r:id="rId21"/>
   </p:sldIdLst>
   <p:sldSz cx="9144000" cy="6858000" type="screen4x3"/>
   <p:notesSz cx="6858000" cy="9144000"/>
@@ -3087,6 +3100,14 @@
 <file path=ppt/slides/slide1.xml><?xml version="1.0" encoding="utf-8"?>
 <p:sld xmlns:a="http://schemas.openxmlformats.org/drawingml/2006/main" xmlns:r="http://schemas.openxmlformats.org/officeDocument/2006/relationships" xmlns:p="http://schemas.openxmlformats.org/presentationml/2006/main">
   <p:cSld>
+    <p:bg>
+      <p:bgPr>
+        <a:solidFill>
+          <a:schemeClr val="tx1"/>
+        </a:solidFill>
+        <a:effectLst/>
+      </p:bgPr>
+    </p:bg>
     <p:spTree>
       <p:nvGrpSpPr>
         <p:cNvPr id="1" name=""/>
@@ -3151,9 +3172,3448 @@
 </p:sld>
 </file>
 
+<file path=ppt/slides/slide10.xml><?xml version="1.0" encoding="utf-8"?>
+<p:sld xmlns:a="http://schemas.openxmlformats.org/drawingml/2006/main" xmlns:r="http://schemas.openxmlformats.org/officeDocument/2006/relationships" xmlns:p="http://schemas.openxmlformats.org/presentationml/2006/main">
+  <p:cSld>
+    <p:bg>
+      <p:bgPr>
+        <a:solidFill>
+          <a:schemeClr val="tx1"/>
+        </a:solidFill>
+        <a:effectLst/>
+      </p:bgPr>
+    </p:bg>
+    <p:spTree>
+      <p:nvGrpSpPr>
+        <p:cNvPr id="1" name=""/>
+        <p:cNvGrpSpPr/>
+        <p:nvPr/>
+      </p:nvGrpSpPr>
+      <p:grpSpPr>
+        <a:xfrm>
+          <a:off x="0" y="0"/>
+          <a:ext cx="0" cy="0"/>
+          <a:chOff x="0" y="0"/>
+          <a:chExt cx="0" cy="0"/>
+        </a:xfrm>
+      </p:grpSpPr>
+      <p:pic>
+        <p:nvPicPr>
+          <p:cNvPr id="3074" name="Picture 2"/>
+          <p:cNvPicPr>
+            <a:picLocks noChangeAspect="1" noChangeArrowheads="1"/>
+          </p:cNvPicPr>
+          <p:nvPr/>
+        </p:nvPicPr>
+        <p:blipFill>
+          <a:blip r:embed="rId2">
+            <a:extLst>
+              <a:ext uri="{28A0092B-C50C-407E-A947-70E740481C1C}">
+                <a14:useLocalDpi xmlns:a14="http://schemas.microsoft.com/office/drawing/2010/main" val="0"/>
+              </a:ext>
+            </a:extLst>
+          </a:blip>
+          <a:srcRect/>
+          <a:stretch>
+            <a:fillRect/>
+          </a:stretch>
+        </p:blipFill>
+        <p:spPr bwMode="auto">
+          <a:xfrm>
+            <a:off x="200681" y="1628800"/>
+            <a:ext cx="8742638" cy="3600400"/>
+          </a:xfrm>
+          <a:prstGeom prst="rect">
+            <a:avLst/>
+          </a:prstGeom>
+          <a:noFill/>
+          <a:ln>
+            <a:noFill/>
+          </a:ln>
+          <a:extLst>
+            <a:ext uri="{909E8E84-426E-40DD-AFC4-6F175D3DCCD1}">
+              <a14:hiddenFill xmlns:a14="http://schemas.microsoft.com/office/drawing/2010/main">
+                <a:solidFill>
+                  <a:schemeClr val="accent1"/>
+                </a:solidFill>
+              </a14:hiddenFill>
+            </a:ext>
+            <a:ext uri="{91240B29-F687-4F45-9708-019B960494DF}">
+              <a14:hiddenLine xmlns:a14="http://schemas.microsoft.com/office/drawing/2010/main" w="9525">
+                <a:solidFill>
+                  <a:schemeClr val="tx1"/>
+                </a:solidFill>
+                <a:miter lim="800000"/>
+                <a:headEnd/>
+                <a:tailEnd/>
+              </a14:hiddenLine>
+            </a:ext>
+          </a:extLst>
+        </p:spPr>
+      </p:pic>
+      <p:sp>
+        <p:nvSpPr>
+          <p:cNvPr id="5" name="Title 1"/>
+          <p:cNvSpPr>
+            <a:spLocks noGrp="1"/>
+          </p:cNvSpPr>
+          <p:nvPr>
+            <p:ph type="title"/>
+          </p:nvPr>
+        </p:nvSpPr>
+        <p:spPr>
+          <a:xfrm>
+            <a:off x="457200" y="274638"/>
+            <a:ext cx="8229600" cy="1143000"/>
+          </a:xfrm>
+          <a:effectLst>
+            <a:outerShdw blurRad="50800" dist="38100" dir="2700000" algn="tl" rotWithShape="0">
+              <a:prstClr val="black">
+                <a:alpha val="40000"/>
+              </a:prstClr>
+            </a:outerShdw>
+          </a:effectLst>
+        </p:spPr>
+        <p:txBody>
+          <a:bodyPr>
+            <a:normAutofit/>
+          </a:bodyPr>
+          <a:lstStyle/>
+          <a:p>
+            <a:r>
+              <a:rPr lang="de-DE" sz="6600" b="1" dirty="0" smtClean="0">
+                <a:solidFill>
+                  <a:schemeClr val="bg1">
+                    <a:lumMod val="65000"/>
+                  </a:schemeClr>
+                </a:solidFill>
+                <a:effectLst>
+                  <a:outerShdw blurRad="38100" dist="38100" dir="2700000" algn="tl">
+                    <a:srgbClr val="000000">
+                      <a:alpha val="43137"/>
+                    </a:srgbClr>
+                  </a:outerShdw>
+                </a:effectLst>
+              </a:rPr>
+              <a:t>Model-</a:t>
+            </a:r>
+            <a:r>
+              <a:rPr lang="de-DE" sz="6600" b="1" dirty="0" smtClean="0">
+                <a:solidFill>
+                  <a:schemeClr val="accent6">
+                    <a:lumMod val="75000"/>
+                  </a:schemeClr>
+                </a:solidFill>
+                <a:effectLst>
+                  <a:outerShdw blurRad="38100" dist="38100" dir="2700000" algn="tl">
+                    <a:srgbClr val="000000">
+                      <a:alpha val="43137"/>
+                    </a:srgbClr>
+                  </a:outerShdw>
+                </a:effectLst>
+              </a:rPr>
+              <a:t>View</a:t>
+            </a:r>
+            <a:r>
+              <a:rPr lang="de-DE" sz="6600" b="1" dirty="0" smtClean="0">
+                <a:solidFill>
+                  <a:schemeClr val="bg1">
+                    <a:lumMod val="65000"/>
+                  </a:schemeClr>
+                </a:solidFill>
+                <a:effectLst>
+                  <a:outerShdw blurRad="38100" dist="38100" dir="2700000" algn="tl">
+                    <a:srgbClr val="000000">
+                      <a:alpha val="43137"/>
+                    </a:srgbClr>
+                  </a:outerShdw>
+                </a:effectLst>
+              </a:rPr>
+              <a:t>-Controler</a:t>
+            </a:r>
+            <a:endParaRPr lang="de-DE" sz="6600" b="1" dirty="0">
+              <a:solidFill>
+                <a:schemeClr val="bg1">
+                  <a:lumMod val="65000"/>
+                </a:schemeClr>
+              </a:solidFill>
+              <a:effectLst>
+                <a:outerShdw blurRad="38100" dist="38100" dir="2700000" algn="tl">
+                  <a:srgbClr val="000000">
+                    <a:alpha val="43137"/>
+                  </a:srgbClr>
+                </a:outerShdw>
+              </a:effectLst>
+            </a:endParaRPr>
+          </a:p>
+        </p:txBody>
+      </p:sp>
+    </p:spTree>
+    <p:extLst>
+      <p:ext uri="{BB962C8B-B14F-4D97-AF65-F5344CB8AC3E}">
+        <p14:creationId xmlns:p14="http://schemas.microsoft.com/office/powerpoint/2010/main" val="3777211364"/>
+      </p:ext>
+    </p:extLst>
+  </p:cSld>
+  <p:clrMapOvr>
+    <a:masterClrMapping/>
+  </p:clrMapOvr>
+  <p:timing>
+    <p:tnLst>
+      <p:par>
+        <p:cTn id="1" dur="indefinite" restart="never" nodeType="tmRoot"/>
+      </p:par>
+    </p:tnLst>
+  </p:timing>
+</p:sld>
+</file>
+
+<file path=ppt/slides/slide11.xml><?xml version="1.0" encoding="utf-8"?>
+<p:sld xmlns:a="http://schemas.openxmlformats.org/drawingml/2006/main" xmlns:r="http://schemas.openxmlformats.org/officeDocument/2006/relationships" xmlns:p="http://schemas.openxmlformats.org/presentationml/2006/main">
+  <p:cSld>
+    <p:bg>
+      <p:bgPr>
+        <a:solidFill>
+          <a:schemeClr val="tx1"/>
+        </a:solidFill>
+        <a:effectLst/>
+      </p:bgPr>
+    </p:bg>
+    <p:spTree>
+      <p:nvGrpSpPr>
+        <p:cNvPr id="1" name=""/>
+        <p:cNvGrpSpPr/>
+        <p:nvPr/>
+      </p:nvGrpSpPr>
+      <p:grpSpPr>
+        <a:xfrm>
+          <a:off x="0" y="0"/>
+          <a:ext cx="0" cy="0"/>
+          <a:chOff x="0" y="0"/>
+          <a:chExt cx="0" cy="0"/>
+        </a:xfrm>
+      </p:grpSpPr>
+      <p:sp>
+        <p:nvSpPr>
+          <p:cNvPr id="2" name="Title 1"/>
+          <p:cNvSpPr>
+            <a:spLocks noGrp="1"/>
+          </p:cNvSpPr>
+          <p:nvPr>
+            <p:ph type="title"/>
+          </p:nvPr>
+        </p:nvSpPr>
+        <p:spPr>
+          <a:effectLst>
+            <a:outerShdw blurRad="50800" dist="38100" dir="2700000" algn="tl" rotWithShape="0">
+              <a:prstClr val="black">
+                <a:alpha val="40000"/>
+              </a:prstClr>
+            </a:outerShdw>
+          </a:effectLst>
+        </p:spPr>
+        <p:txBody>
+          <a:bodyPr>
+            <a:normAutofit/>
+          </a:bodyPr>
+          <a:lstStyle/>
+          <a:p>
+            <a:r>
+              <a:rPr lang="de-DE" sz="6600" b="1" dirty="0" smtClean="0">
+                <a:solidFill>
+                  <a:schemeClr val="bg1">
+                    <a:lumMod val="65000"/>
+                  </a:schemeClr>
+                </a:solidFill>
+                <a:effectLst>
+                  <a:outerShdw blurRad="38100" dist="38100" dir="2700000" algn="tl">
+                    <a:srgbClr val="000000">
+                      <a:alpha val="43137"/>
+                    </a:srgbClr>
+                  </a:outerShdw>
+                </a:effectLst>
+              </a:rPr>
+              <a:t>Model-View-</a:t>
+            </a:r>
+            <a:r>
+              <a:rPr lang="de-DE" sz="6600" b="1" dirty="0" smtClean="0">
+                <a:solidFill>
+                  <a:schemeClr val="accent6">
+                    <a:lumMod val="75000"/>
+                  </a:schemeClr>
+                </a:solidFill>
+                <a:effectLst>
+                  <a:outerShdw blurRad="38100" dist="38100" dir="2700000" algn="tl">
+                    <a:srgbClr val="000000">
+                      <a:alpha val="43137"/>
+                    </a:srgbClr>
+                  </a:outerShdw>
+                </a:effectLst>
+              </a:rPr>
+              <a:t>Controler</a:t>
+            </a:r>
+            <a:endParaRPr lang="de-DE" sz="6600" b="1" dirty="0">
+              <a:solidFill>
+                <a:schemeClr val="accent6">
+                  <a:lumMod val="75000"/>
+                </a:schemeClr>
+              </a:solidFill>
+              <a:effectLst>
+                <a:outerShdw blurRad="38100" dist="38100" dir="2700000" algn="tl">
+                  <a:srgbClr val="000000">
+                    <a:alpha val="43137"/>
+                  </a:srgbClr>
+                </a:outerShdw>
+              </a:effectLst>
+            </a:endParaRPr>
+          </a:p>
+        </p:txBody>
+      </p:sp>
+      <p:grpSp>
+        <p:nvGrpSpPr>
+          <p:cNvPr id="3" name="Group 2"/>
+          <p:cNvGrpSpPr/>
+          <p:nvPr/>
+        </p:nvGrpSpPr>
+        <p:grpSpPr>
+          <a:xfrm>
+            <a:off x="174165" y="1811815"/>
+            <a:ext cx="8795671" cy="3234370"/>
+            <a:chOff x="174165" y="1556792"/>
+            <a:chExt cx="8795671" cy="3234370"/>
+          </a:xfrm>
+        </p:grpSpPr>
+        <p:pic>
+          <p:nvPicPr>
+            <p:cNvPr id="4099" name="Picture 3"/>
+            <p:cNvPicPr>
+              <a:picLocks noChangeAspect="1" noChangeArrowheads="1"/>
+            </p:cNvPicPr>
+            <p:nvPr/>
+          </p:nvPicPr>
+          <p:blipFill>
+            <a:blip r:embed="rId2">
+              <a:extLst>
+                <a:ext uri="{28A0092B-C50C-407E-A947-70E740481C1C}">
+                  <a14:useLocalDpi xmlns:a14="http://schemas.microsoft.com/office/drawing/2010/main" val="0"/>
+                </a:ext>
+              </a:extLst>
+            </a:blip>
+            <a:srcRect/>
+            <a:stretch>
+              <a:fillRect/>
+            </a:stretch>
+          </p:blipFill>
+          <p:spPr bwMode="auto">
+            <a:xfrm>
+              <a:off x="174165" y="2066839"/>
+              <a:ext cx="8795671" cy="2724323"/>
+            </a:xfrm>
+            <a:prstGeom prst="rect">
+              <a:avLst/>
+            </a:prstGeom>
+            <a:noFill/>
+            <a:ln>
+              <a:noFill/>
+            </a:ln>
+            <a:extLst>
+              <a:ext uri="{909E8E84-426E-40DD-AFC4-6F175D3DCCD1}">
+                <a14:hiddenFill xmlns:a14="http://schemas.microsoft.com/office/drawing/2010/main">
+                  <a:solidFill>
+                    <a:schemeClr val="accent1"/>
+                  </a:solidFill>
+                </a14:hiddenFill>
+              </a:ext>
+              <a:ext uri="{91240B29-F687-4F45-9708-019B960494DF}">
+                <a14:hiddenLine xmlns:a14="http://schemas.microsoft.com/office/drawing/2010/main" w="9525">
+                  <a:solidFill>
+                    <a:schemeClr val="tx1"/>
+                  </a:solidFill>
+                  <a:miter lim="800000"/>
+                  <a:headEnd/>
+                  <a:tailEnd/>
+                </a14:hiddenLine>
+              </a:ext>
+            </a:extLst>
+          </p:spPr>
+        </p:pic>
+        <p:pic>
+          <p:nvPicPr>
+            <p:cNvPr id="4101" name="Picture 5"/>
+            <p:cNvPicPr>
+              <a:picLocks noChangeAspect="1" noChangeArrowheads="1"/>
+            </p:cNvPicPr>
+            <p:nvPr/>
+          </p:nvPicPr>
+          <p:blipFill>
+            <a:blip r:embed="rId3">
+              <a:extLst>
+                <a:ext uri="{28A0092B-C50C-407E-A947-70E740481C1C}">
+                  <a14:useLocalDpi xmlns:a14="http://schemas.microsoft.com/office/drawing/2010/main" val="0"/>
+                </a:ext>
+              </a:extLst>
+            </a:blip>
+            <a:srcRect/>
+            <a:stretch>
+              <a:fillRect/>
+            </a:stretch>
+          </p:blipFill>
+          <p:spPr bwMode="auto">
+            <a:xfrm>
+              <a:off x="174165" y="1556792"/>
+              <a:ext cx="8795671" cy="219075"/>
+            </a:xfrm>
+            <a:prstGeom prst="rect">
+              <a:avLst/>
+            </a:prstGeom>
+            <a:noFill/>
+            <a:ln>
+              <a:noFill/>
+            </a:ln>
+            <a:extLst>
+              <a:ext uri="{909E8E84-426E-40DD-AFC4-6F175D3DCCD1}">
+                <a14:hiddenFill xmlns:a14="http://schemas.microsoft.com/office/drawing/2010/main">
+                  <a:solidFill>
+                    <a:schemeClr val="accent1"/>
+                  </a:solidFill>
+                </a14:hiddenFill>
+              </a:ext>
+              <a:ext uri="{91240B29-F687-4F45-9708-019B960494DF}">
+                <a14:hiddenLine xmlns:a14="http://schemas.microsoft.com/office/drawing/2010/main" w="9525">
+                  <a:solidFill>
+                    <a:schemeClr val="tx1"/>
+                  </a:solidFill>
+                  <a:miter lim="800000"/>
+                  <a:headEnd/>
+                  <a:tailEnd/>
+                </a14:hiddenLine>
+              </a:ext>
+            </a:extLst>
+          </p:spPr>
+        </p:pic>
+      </p:grpSp>
+      <p:cxnSp>
+        <p:nvCxnSpPr>
+          <p:cNvPr id="5" name="Straight Connector 4"/>
+          <p:cNvCxnSpPr/>
+          <p:nvPr/>
+        </p:nvCxnSpPr>
+        <p:spPr>
+          <a:xfrm>
+            <a:off x="2506160" y="2045066"/>
+            <a:ext cx="648000" cy="0"/>
+          </a:xfrm>
+          <a:prstGeom prst="line">
+            <a:avLst/>
+          </a:prstGeom>
+          <a:ln w="44450">
+            <a:solidFill>
+              <a:schemeClr val="accent6">
+                <a:lumMod val="75000"/>
+              </a:schemeClr>
+            </a:solidFill>
+          </a:ln>
+        </p:spPr>
+        <p:style>
+          <a:lnRef idx="1">
+            <a:schemeClr val="accent1"/>
+          </a:lnRef>
+          <a:fillRef idx="0">
+            <a:schemeClr val="accent1"/>
+          </a:fillRef>
+          <a:effectRef idx="0">
+            <a:schemeClr val="accent1"/>
+          </a:effectRef>
+          <a:fontRef idx="minor">
+            <a:schemeClr val="tx1"/>
+          </a:fontRef>
+        </p:style>
+      </p:cxnSp>
+      <p:cxnSp>
+        <p:nvCxnSpPr>
+          <p:cNvPr id="13" name="Straight Connector 12"/>
+          <p:cNvCxnSpPr/>
+          <p:nvPr/>
+        </p:nvCxnSpPr>
+        <p:spPr>
+          <a:xfrm>
+            <a:off x="1136880" y="4005064"/>
+            <a:ext cx="648000" cy="0"/>
+          </a:xfrm>
+          <a:prstGeom prst="line">
+            <a:avLst/>
+          </a:prstGeom>
+          <a:ln w="44450">
+            <a:solidFill>
+              <a:schemeClr val="accent6">
+                <a:lumMod val="75000"/>
+              </a:schemeClr>
+            </a:solidFill>
+          </a:ln>
+        </p:spPr>
+        <p:style>
+          <a:lnRef idx="1">
+            <a:schemeClr val="accent1"/>
+          </a:lnRef>
+          <a:fillRef idx="0">
+            <a:schemeClr val="accent1"/>
+          </a:fillRef>
+          <a:effectRef idx="0">
+            <a:schemeClr val="accent1"/>
+          </a:effectRef>
+          <a:fontRef idx="minor">
+            <a:schemeClr val="tx1"/>
+          </a:fontRef>
+        </p:style>
+      </p:cxnSp>
+      <p:cxnSp>
+        <p:nvCxnSpPr>
+          <p:cNvPr id="14" name="Straight Connector 13"/>
+          <p:cNvCxnSpPr/>
+          <p:nvPr/>
+        </p:nvCxnSpPr>
+        <p:spPr>
+          <a:xfrm>
+            <a:off x="1568928" y="2564904"/>
+            <a:ext cx="1044000" cy="0"/>
+          </a:xfrm>
+          <a:prstGeom prst="line">
+            <a:avLst/>
+          </a:prstGeom>
+          <a:ln w="44450">
+            <a:solidFill>
+              <a:schemeClr val="accent6">
+                <a:lumMod val="75000"/>
+              </a:schemeClr>
+            </a:solidFill>
+          </a:ln>
+        </p:spPr>
+        <p:style>
+          <a:lnRef idx="1">
+            <a:schemeClr val="accent1"/>
+          </a:lnRef>
+          <a:fillRef idx="0">
+            <a:schemeClr val="accent1"/>
+          </a:fillRef>
+          <a:effectRef idx="0">
+            <a:schemeClr val="accent1"/>
+          </a:effectRef>
+          <a:fontRef idx="minor">
+            <a:schemeClr val="tx1"/>
+          </a:fontRef>
+        </p:style>
+      </p:cxnSp>
+    </p:spTree>
+    <p:extLst>
+      <p:ext uri="{BB962C8B-B14F-4D97-AF65-F5344CB8AC3E}">
+        <p14:creationId xmlns:p14="http://schemas.microsoft.com/office/powerpoint/2010/main" val="3964111635"/>
+      </p:ext>
+    </p:extLst>
+  </p:cSld>
+  <p:clrMapOvr>
+    <a:masterClrMapping/>
+  </p:clrMapOvr>
+  <p:timing>
+    <p:tnLst>
+      <p:par>
+        <p:cTn id="1" dur="indefinite" restart="never" nodeType="tmRoot"/>
+      </p:par>
+    </p:tnLst>
+  </p:timing>
+</p:sld>
+</file>
+
+<file path=ppt/slides/slide12.xml><?xml version="1.0" encoding="utf-8"?>
+<p:sld xmlns:a="http://schemas.openxmlformats.org/drawingml/2006/main" xmlns:r="http://schemas.openxmlformats.org/officeDocument/2006/relationships" xmlns:p="http://schemas.openxmlformats.org/presentationml/2006/main">
+  <p:cSld>
+    <p:bg>
+      <p:bgPr>
+        <a:solidFill>
+          <a:schemeClr val="tx1"/>
+        </a:solidFill>
+        <a:effectLst/>
+      </p:bgPr>
+    </p:bg>
+    <p:spTree>
+      <p:nvGrpSpPr>
+        <p:cNvPr id="1" name=""/>
+        <p:cNvGrpSpPr/>
+        <p:nvPr/>
+      </p:nvGrpSpPr>
+      <p:grpSpPr>
+        <a:xfrm>
+          <a:off x="0" y="0"/>
+          <a:ext cx="0" cy="0"/>
+          <a:chOff x="0" y="0"/>
+          <a:chExt cx="0" cy="0"/>
+        </a:xfrm>
+      </p:grpSpPr>
+      <p:sp>
+        <p:nvSpPr>
+          <p:cNvPr id="2" name="Title 1"/>
+          <p:cNvSpPr>
+            <a:spLocks noGrp="1"/>
+          </p:cNvSpPr>
+          <p:nvPr>
+            <p:ph type="title"/>
+          </p:nvPr>
+        </p:nvSpPr>
+        <p:spPr>
+          <a:effectLst>
+            <a:outerShdw blurRad="50800" dist="38100" dir="2700000" algn="tl" rotWithShape="0">
+              <a:prstClr val="black">
+                <a:alpha val="40000"/>
+              </a:prstClr>
+            </a:outerShdw>
+          </a:effectLst>
+        </p:spPr>
+        <p:txBody>
+          <a:bodyPr>
+            <a:normAutofit/>
+          </a:bodyPr>
+          <a:lstStyle/>
+          <a:p>
+            <a:r>
+              <a:rPr lang="de-DE" sz="6600" b="1" dirty="0" smtClean="0">
+                <a:solidFill>
+                  <a:schemeClr val="accent6">
+                    <a:lumMod val="75000"/>
+                  </a:schemeClr>
+                </a:solidFill>
+                <a:effectLst>
+                  <a:outerShdw blurRad="38100" dist="38100" dir="2700000" algn="tl">
+                    <a:srgbClr val="000000">
+                      <a:alpha val="43137"/>
+                    </a:srgbClr>
+                  </a:outerShdw>
+                </a:effectLst>
+              </a:rPr>
+              <a:t>Model</a:t>
+            </a:r>
+            <a:r>
+              <a:rPr lang="de-DE" sz="6600" b="1" dirty="0" smtClean="0">
+                <a:solidFill>
+                  <a:schemeClr val="bg1">
+                    <a:lumMod val="65000"/>
+                  </a:schemeClr>
+                </a:solidFill>
+                <a:effectLst>
+                  <a:outerShdw blurRad="38100" dist="38100" dir="2700000" algn="tl">
+                    <a:srgbClr val="000000">
+                      <a:alpha val="43137"/>
+                    </a:srgbClr>
+                  </a:outerShdw>
+                </a:effectLst>
+              </a:rPr>
+              <a:t>-View-Controler</a:t>
+            </a:r>
+            <a:endParaRPr lang="de-DE" sz="6600" b="1" dirty="0">
+              <a:solidFill>
+                <a:schemeClr val="bg1">
+                  <a:lumMod val="65000"/>
+                </a:schemeClr>
+              </a:solidFill>
+              <a:effectLst>
+                <a:outerShdw blurRad="38100" dist="38100" dir="2700000" algn="tl">
+                  <a:srgbClr val="000000">
+                    <a:alpha val="43137"/>
+                  </a:srgbClr>
+                </a:outerShdw>
+              </a:effectLst>
+            </a:endParaRPr>
+          </a:p>
+        </p:txBody>
+      </p:sp>
+      <p:sp>
+        <p:nvSpPr>
+          <p:cNvPr id="7" name="Title 1"/>
+          <p:cNvSpPr txBox="1">
+            <a:spLocks/>
+          </p:cNvSpPr>
+          <p:nvPr/>
+        </p:nvSpPr>
+        <p:spPr>
+          <a:xfrm>
+            <a:off x="2375756" y="1556792"/>
+            <a:ext cx="4392488" cy="4752528"/>
+          </a:xfrm>
+          <a:prstGeom prst="rect">
+            <a:avLst/>
+          </a:prstGeom>
+          <a:effectLst>
+            <a:outerShdw blurRad="50800" dist="38100" dir="2700000" algn="tl" rotWithShape="0">
+              <a:prstClr val="black">
+                <a:alpha val="40000"/>
+              </a:prstClr>
+            </a:outerShdw>
+          </a:effectLst>
+        </p:spPr>
+        <p:txBody>
+          <a:bodyPr vert="horz" lIns="91440" tIns="45720" rIns="91440" bIns="45720" rtlCol="0" anchor="ctr">
+            <a:noAutofit/>
+          </a:bodyPr>
+          <a:lstStyle>
+            <a:lvl1pPr algn="ctr" defTabSz="914400" rtl="0" eaLnBrk="1" latinLnBrk="0" hangingPunct="1">
+              <a:spcBef>
+                <a:spcPct val="0"/>
+              </a:spcBef>
+              <a:buNone/>
+              <a:defRPr sz="4400" kern="1200">
+                <a:solidFill>
+                  <a:schemeClr val="tx1"/>
+                </a:solidFill>
+                <a:latin typeface="+mj-lt"/>
+                <a:ea typeface="+mj-ea"/>
+                <a:cs typeface="+mj-cs"/>
+              </a:defRPr>
+            </a:lvl1pPr>
+          </a:lstStyle>
+          <a:p>
+            <a:r>
+              <a:rPr lang="de-DE" sz="49600" b="1" dirty="0" smtClean="0">
+                <a:solidFill>
+                  <a:schemeClr val="accent6">
+                    <a:lumMod val="75000"/>
+                  </a:schemeClr>
+                </a:solidFill>
+                <a:effectLst>
+                  <a:outerShdw blurRad="38100" dist="38100" dir="2700000" algn="tl">
+                    <a:srgbClr val="000000">
+                      <a:alpha val="43137"/>
+                    </a:srgbClr>
+                  </a:outerShdw>
+                </a:effectLst>
+              </a:rPr>
+              <a:t>?</a:t>
+            </a:r>
+            <a:endParaRPr lang="de-DE" sz="49600" b="1" dirty="0">
+              <a:solidFill>
+                <a:schemeClr val="bg1">
+                  <a:lumMod val="65000"/>
+                </a:schemeClr>
+              </a:solidFill>
+              <a:effectLst>
+                <a:outerShdw blurRad="38100" dist="38100" dir="2700000" algn="tl">
+                  <a:srgbClr val="000000">
+                    <a:alpha val="43137"/>
+                  </a:srgbClr>
+                </a:outerShdw>
+              </a:effectLst>
+            </a:endParaRPr>
+          </a:p>
+        </p:txBody>
+      </p:sp>
+    </p:spTree>
+    <p:extLst>
+      <p:ext uri="{BB962C8B-B14F-4D97-AF65-F5344CB8AC3E}">
+        <p14:creationId xmlns:p14="http://schemas.microsoft.com/office/powerpoint/2010/main" val="1072411965"/>
+      </p:ext>
+    </p:extLst>
+  </p:cSld>
+  <p:clrMapOvr>
+    <a:masterClrMapping/>
+  </p:clrMapOvr>
+  <p:timing>
+    <p:tnLst>
+      <p:par>
+        <p:cTn id="1" dur="indefinite" restart="never" nodeType="tmRoot"/>
+      </p:par>
+    </p:tnLst>
+  </p:timing>
+</p:sld>
+</file>
+
+<file path=ppt/slides/slide13.xml><?xml version="1.0" encoding="utf-8"?>
+<p:sld xmlns:a="http://schemas.openxmlformats.org/drawingml/2006/main" xmlns:r="http://schemas.openxmlformats.org/officeDocument/2006/relationships" xmlns:p="http://schemas.openxmlformats.org/presentationml/2006/main">
+  <p:cSld>
+    <p:bg>
+      <p:bgPr>
+        <a:solidFill>
+          <a:schemeClr val="tx1"/>
+        </a:solidFill>
+        <a:effectLst/>
+      </p:bgPr>
+    </p:bg>
+    <p:spTree>
+      <p:nvGrpSpPr>
+        <p:cNvPr id="1" name=""/>
+        <p:cNvGrpSpPr/>
+        <p:nvPr/>
+      </p:nvGrpSpPr>
+      <p:grpSpPr>
+        <a:xfrm>
+          <a:off x="0" y="0"/>
+          <a:ext cx="0" cy="0"/>
+          <a:chOff x="0" y="0"/>
+          <a:chExt cx="0" cy="0"/>
+        </a:xfrm>
+      </p:grpSpPr>
+      <p:sp>
+        <p:nvSpPr>
+          <p:cNvPr id="2" name="Title 1"/>
+          <p:cNvSpPr>
+            <a:spLocks noGrp="1"/>
+          </p:cNvSpPr>
+          <p:nvPr>
+            <p:ph type="title"/>
+          </p:nvPr>
+        </p:nvSpPr>
+        <p:spPr>
+          <a:effectLst>
+            <a:outerShdw blurRad="50800" dist="38100" dir="2700000" algn="tl" rotWithShape="0">
+              <a:prstClr val="black">
+                <a:alpha val="40000"/>
+              </a:prstClr>
+            </a:outerShdw>
+          </a:effectLst>
+        </p:spPr>
+        <p:txBody>
+          <a:bodyPr>
+            <a:normAutofit/>
+          </a:bodyPr>
+          <a:lstStyle/>
+          <a:p>
+            <a:r>
+              <a:rPr lang="de-DE" sz="6600" b="1" dirty="0" smtClean="0">
+                <a:solidFill>
+                  <a:schemeClr val="accent6">
+                    <a:lumMod val="75000"/>
+                  </a:schemeClr>
+                </a:solidFill>
+                <a:effectLst>
+                  <a:outerShdw blurRad="38100" dist="38100" dir="2700000" algn="tl">
+                    <a:srgbClr val="000000">
+                      <a:alpha val="43137"/>
+                    </a:srgbClr>
+                  </a:outerShdw>
+                </a:effectLst>
+              </a:rPr>
+              <a:t>$scope</a:t>
+            </a:r>
+            <a:endParaRPr lang="de-DE" sz="6600" b="1" dirty="0">
+              <a:solidFill>
+                <a:schemeClr val="bg1">
+                  <a:lumMod val="65000"/>
+                </a:schemeClr>
+              </a:solidFill>
+              <a:effectLst>
+                <a:outerShdw blurRad="38100" dist="38100" dir="2700000" algn="tl">
+                  <a:srgbClr val="000000">
+                    <a:alpha val="43137"/>
+                  </a:srgbClr>
+                </a:outerShdw>
+              </a:effectLst>
+            </a:endParaRPr>
+          </a:p>
+        </p:txBody>
+      </p:sp>
+      <p:sp>
+        <p:nvSpPr>
+          <p:cNvPr id="4" name="TextBox 3"/>
+          <p:cNvSpPr txBox="1"/>
+          <p:nvPr/>
+        </p:nvSpPr>
+        <p:spPr>
+          <a:xfrm>
+            <a:off x="1295637" y="2890391"/>
+            <a:ext cx="6552727" cy="1077218"/>
+          </a:xfrm>
+          <a:prstGeom prst="rect">
+            <a:avLst/>
+          </a:prstGeom>
+          <a:noFill/>
+        </p:spPr>
+        <p:txBody>
+          <a:bodyPr wrap="square" rtlCol="0">
+            <a:spAutoFit/>
+          </a:bodyPr>
+          <a:lstStyle/>
+          <a:p>
+            <a:r>
+              <a:rPr lang="en-US" sz="3200" dirty="0">
+                <a:solidFill>
+                  <a:schemeClr val="bg1"/>
+                </a:solidFill>
+                <a:effectLst>
+                  <a:outerShdw blurRad="38100" dist="38100" dir="2700000" algn="tl">
+                    <a:srgbClr val="000000">
+                      <a:alpha val="43137"/>
+                    </a:srgbClr>
+                  </a:outerShdw>
+                </a:effectLst>
+              </a:rPr>
+              <a:t>“Scope is the </a:t>
+            </a:r>
+            <a:r>
+              <a:rPr lang="en-US" sz="3200" b="1" dirty="0">
+                <a:solidFill>
+                  <a:schemeClr val="accent6">
+                    <a:lumMod val="75000"/>
+                  </a:schemeClr>
+                </a:solidFill>
+                <a:effectLst>
+                  <a:outerShdw blurRad="38100" dist="38100" dir="2700000" algn="tl">
+                    <a:srgbClr val="000000">
+                      <a:alpha val="43137"/>
+                    </a:srgbClr>
+                  </a:outerShdw>
+                </a:effectLst>
+              </a:rPr>
+              <a:t>glue between application controller and the view</a:t>
+            </a:r>
+            <a:r>
+              <a:rPr lang="en-US" sz="3200" dirty="0">
+                <a:solidFill>
+                  <a:schemeClr val="bg1"/>
+                </a:solidFill>
+                <a:effectLst>
+                  <a:outerShdw blurRad="38100" dist="38100" dir="2700000" algn="tl">
+                    <a:srgbClr val="000000">
+                      <a:alpha val="43137"/>
+                    </a:srgbClr>
+                  </a:outerShdw>
+                </a:effectLst>
+              </a:rPr>
+              <a:t>.”</a:t>
+            </a:r>
+            <a:endParaRPr lang="de-DE" sz="3200" dirty="0">
+              <a:solidFill>
+                <a:schemeClr val="bg1"/>
+              </a:solidFill>
+              <a:effectLst>
+                <a:outerShdw blurRad="38100" dist="38100" dir="2700000" algn="tl">
+                  <a:srgbClr val="000000">
+                    <a:alpha val="43137"/>
+                  </a:srgbClr>
+                </a:outerShdw>
+              </a:effectLst>
+            </a:endParaRPr>
+          </a:p>
+        </p:txBody>
+      </p:sp>
+      <p:sp>
+        <p:nvSpPr>
+          <p:cNvPr id="5" name="TextBox 4"/>
+          <p:cNvSpPr txBox="1"/>
+          <p:nvPr/>
+        </p:nvSpPr>
+        <p:spPr>
+          <a:xfrm>
+            <a:off x="2704630" y="6372036"/>
+            <a:ext cx="3734740" cy="369332"/>
+          </a:xfrm>
+          <a:prstGeom prst="rect">
+            <a:avLst/>
+          </a:prstGeom>
+          <a:noFill/>
+        </p:spPr>
+        <p:txBody>
+          <a:bodyPr wrap="none" rtlCol="0">
+            <a:spAutoFit/>
+          </a:bodyPr>
+          <a:lstStyle/>
+          <a:p>
+            <a:r>
+              <a:rPr lang="de-DE" dirty="0">
+                <a:solidFill>
+                  <a:schemeClr val="tx2">
+                    <a:lumMod val="60000"/>
+                    <a:lumOff val="40000"/>
+                  </a:schemeClr>
+                </a:solidFill>
+              </a:rPr>
+              <a:t>https://docs.angularjs.org/guide/scope</a:t>
+            </a:r>
+            <a:endParaRPr lang="de-DE" dirty="0">
+              <a:solidFill>
+                <a:schemeClr val="tx2">
+                  <a:lumMod val="60000"/>
+                  <a:lumOff val="40000"/>
+                </a:schemeClr>
+              </a:solidFill>
+            </a:endParaRPr>
+          </a:p>
+        </p:txBody>
+      </p:sp>
+    </p:spTree>
+    <p:extLst>
+      <p:ext uri="{BB962C8B-B14F-4D97-AF65-F5344CB8AC3E}">
+        <p14:creationId xmlns:p14="http://schemas.microsoft.com/office/powerpoint/2010/main" val="1487263686"/>
+      </p:ext>
+    </p:extLst>
+  </p:cSld>
+  <p:clrMapOvr>
+    <a:masterClrMapping/>
+  </p:clrMapOvr>
+  <p:timing>
+    <p:tnLst>
+      <p:par>
+        <p:cTn id="1" dur="indefinite" restart="never" nodeType="tmRoot"/>
+      </p:par>
+    </p:tnLst>
+  </p:timing>
+</p:sld>
+</file>
+
+<file path=ppt/slides/slide14.xml><?xml version="1.0" encoding="utf-8"?>
+<p:sld xmlns:a="http://schemas.openxmlformats.org/drawingml/2006/main" xmlns:r="http://schemas.openxmlformats.org/officeDocument/2006/relationships" xmlns:p="http://schemas.openxmlformats.org/presentationml/2006/main">
+  <p:cSld>
+    <p:bg>
+      <p:bgPr>
+        <a:solidFill>
+          <a:schemeClr val="tx1"/>
+        </a:solidFill>
+        <a:effectLst/>
+      </p:bgPr>
+    </p:bg>
+    <p:spTree>
+      <p:nvGrpSpPr>
+        <p:cNvPr id="1" name=""/>
+        <p:cNvGrpSpPr/>
+        <p:nvPr/>
+      </p:nvGrpSpPr>
+      <p:grpSpPr>
+        <a:xfrm>
+          <a:off x="0" y="0"/>
+          <a:ext cx="0" cy="0"/>
+          <a:chOff x="0" y="0"/>
+          <a:chExt cx="0" cy="0"/>
+        </a:xfrm>
+      </p:grpSpPr>
+      <p:sp>
+        <p:nvSpPr>
+          <p:cNvPr id="2" name="Title 1"/>
+          <p:cNvSpPr>
+            <a:spLocks noGrp="1"/>
+          </p:cNvSpPr>
+          <p:nvPr>
+            <p:ph type="title"/>
+          </p:nvPr>
+        </p:nvSpPr>
+        <p:spPr>
+          <a:effectLst>
+            <a:outerShdw blurRad="50800" dist="38100" dir="2700000" algn="tl" rotWithShape="0">
+              <a:prstClr val="black">
+                <a:alpha val="40000"/>
+              </a:prstClr>
+            </a:outerShdw>
+          </a:effectLst>
+        </p:spPr>
+        <p:txBody>
+          <a:bodyPr>
+            <a:normAutofit/>
+          </a:bodyPr>
+          <a:lstStyle/>
+          <a:p>
+            <a:r>
+              <a:rPr lang="de-DE" sz="6600" b="1" dirty="0" smtClean="0">
+                <a:solidFill>
+                  <a:schemeClr val="accent6">
+                    <a:lumMod val="75000"/>
+                  </a:schemeClr>
+                </a:solidFill>
+                <a:effectLst>
+                  <a:outerShdw blurRad="38100" dist="38100" dir="2700000" algn="tl">
+                    <a:srgbClr val="000000">
+                      <a:alpha val="43137"/>
+                    </a:srgbClr>
+                  </a:outerShdw>
+                </a:effectLst>
+              </a:rPr>
+              <a:t>$scope</a:t>
+            </a:r>
+            <a:endParaRPr lang="de-DE" sz="6600" b="1" dirty="0">
+              <a:solidFill>
+                <a:schemeClr val="bg1">
+                  <a:lumMod val="65000"/>
+                </a:schemeClr>
+              </a:solidFill>
+              <a:effectLst>
+                <a:outerShdw blurRad="38100" dist="38100" dir="2700000" algn="tl">
+                  <a:srgbClr val="000000">
+                    <a:alpha val="43137"/>
+                  </a:srgbClr>
+                </a:outerShdw>
+              </a:effectLst>
+            </a:endParaRPr>
+          </a:p>
+        </p:txBody>
+      </p:sp>
+      <p:sp>
+        <p:nvSpPr>
+          <p:cNvPr id="5" name="TextBox 4"/>
+          <p:cNvSpPr txBox="1"/>
+          <p:nvPr/>
+        </p:nvSpPr>
+        <p:spPr>
+          <a:xfrm>
+            <a:off x="1719296" y="6165304"/>
+            <a:ext cx="5705408" cy="646331"/>
+          </a:xfrm>
+          <a:prstGeom prst="rect">
+            <a:avLst/>
+          </a:prstGeom>
+          <a:noFill/>
+        </p:spPr>
+        <p:txBody>
+          <a:bodyPr wrap="none" rtlCol="0">
+            <a:spAutoFit/>
+          </a:bodyPr>
+          <a:lstStyle/>
+          <a:p>
+            <a:pPr algn="ctr"/>
+            <a:r>
+              <a:rPr lang="en-US" dirty="0" err="1">
+                <a:solidFill>
+                  <a:schemeClr val="tx2">
+                    <a:lumMod val="60000"/>
+                    <a:lumOff val="40000"/>
+                  </a:schemeClr>
+                </a:solidFill>
+              </a:rPr>
+              <a:t>AngularJS</a:t>
+            </a:r>
+            <a:r>
+              <a:rPr lang="en-US" dirty="0">
+                <a:solidFill>
+                  <a:schemeClr val="tx2">
+                    <a:lumMod val="60000"/>
+                    <a:lumOff val="40000"/>
+                  </a:schemeClr>
+                </a:solidFill>
+              </a:rPr>
+              <a:t> MTV </a:t>
+            </a:r>
+            <a:r>
+              <a:rPr lang="en-US" dirty="0" err="1">
+                <a:solidFill>
+                  <a:schemeClr val="tx2">
+                    <a:lumMod val="60000"/>
+                    <a:lumOff val="40000"/>
+                  </a:schemeClr>
+                </a:solidFill>
+              </a:rPr>
+              <a:t>Meetup</a:t>
+            </a:r>
+            <a:r>
+              <a:rPr lang="en-US" dirty="0">
+                <a:solidFill>
+                  <a:schemeClr val="tx2">
+                    <a:lumMod val="60000"/>
+                    <a:lumOff val="40000"/>
+                  </a:schemeClr>
+                </a:solidFill>
+              </a:rPr>
+              <a:t>: Best Practices (2012/12/11) (30:08</a:t>
+            </a:r>
+            <a:r>
+              <a:rPr lang="en-US" dirty="0" smtClean="0">
+                <a:solidFill>
+                  <a:schemeClr val="tx2">
+                    <a:lumMod val="60000"/>
+                    <a:lumOff val="40000"/>
+                  </a:schemeClr>
+                </a:solidFill>
+              </a:rPr>
+              <a:t>)</a:t>
+            </a:r>
+            <a:br>
+              <a:rPr lang="en-US" dirty="0" smtClean="0">
+                <a:solidFill>
+                  <a:schemeClr val="tx2">
+                    <a:lumMod val="60000"/>
+                    <a:lumOff val="40000"/>
+                  </a:schemeClr>
+                </a:solidFill>
+              </a:rPr>
+            </a:br>
+            <a:r>
+              <a:rPr lang="en-US" dirty="0" smtClean="0">
+                <a:solidFill>
+                  <a:schemeClr val="tx2">
+                    <a:lumMod val="60000"/>
+                    <a:lumOff val="40000"/>
+                  </a:schemeClr>
+                </a:solidFill>
+              </a:rPr>
+              <a:t>http</a:t>
+            </a:r>
+            <a:r>
+              <a:rPr lang="en-US" dirty="0">
+                <a:solidFill>
+                  <a:schemeClr val="tx2">
+                    <a:lumMod val="60000"/>
+                    <a:lumOff val="40000"/>
+                  </a:schemeClr>
+                </a:solidFill>
+              </a:rPr>
+              <a:t>://www.youtube.com/watch?v=ZhfUv0spHCY </a:t>
+            </a:r>
+            <a:endParaRPr lang="de-DE" dirty="0">
+              <a:solidFill>
+                <a:schemeClr val="tx2">
+                  <a:lumMod val="60000"/>
+                  <a:lumOff val="40000"/>
+                </a:schemeClr>
+              </a:solidFill>
+            </a:endParaRPr>
+          </a:p>
+        </p:txBody>
+      </p:sp>
+      <p:sp>
+        <p:nvSpPr>
+          <p:cNvPr id="6" name="TextBox 5"/>
+          <p:cNvSpPr txBox="1"/>
+          <p:nvPr/>
+        </p:nvSpPr>
+        <p:spPr>
+          <a:xfrm>
+            <a:off x="1295637" y="2397949"/>
+            <a:ext cx="6552727" cy="2062103"/>
+          </a:xfrm>
+          <a:prstGeom prst="rect">
+            <a:avLst/>
+          </a:prstGeom>
+          <a:noFill/>
+        </p:spPr>
+        <p:txBody>
+          <a:bodyPr wrap="square" rtlCol="0">
+            <a:spAutoFit/>
+          </a:bodyPr>
+          <a:lstStyle/>
+          <a:p>
+            <a:r>
+              <a:rPr lang="en-US" sz="3200" dirty="0">
+                <a:solidFill>
+                  <a:schemeClr val="bg1"/>
+                </a:solidFill>
+                <a:effectLst>
+                  <a:outerShdw blurRad="38100" dist="38100" dir="2700000" algn="tl">
+                    <a:srgbClr val="000000">
+                      <a:alpha val="43137"/>
+                    </a:srgbClr>
+                  </a:outerShdw>
+                </a:effectLst>
+              </a:rPr>
+              <a:t>“Scope has references to the model. </a:t>
+            </a:r>
+          </a:p>
+          <a:p>
+            <a:r>
+              <a:rPr lang="en-US" sz="3200" dirty="0">
+                <a:solidFill>
+                  <a:schemeClr val="bg1"/>
+                </a:solidFill>
+                <a:effectLst>
+                  <a:outerShdw blurRad="38100" dist="38100" dir="2700000" algn="tl">
+                    <a:srgbClr val="000000">
+                      <a:alpha val="43137"/>
+                    </a:srgbClr>
+                  </a:outerShdw>
+                </a:effectLst>
+              </a:rPr>
+              <a:t>Create your own model object and then you </a:t>
+            </a:r>
+            <a:r>
+              <a:rPr lang="en-US" sz="3200" b="1" dirty="0">
+                <a:solidFill>
+                  <a:schemeClr val="accent6">
+                    <a:lumMod val="75000"/>
+                  </a:schemeClr>
+                </a:solidFill>
+                <a:effectLst>
+                  <a:outerShdw blurRad="38100" dist="38100" dir="2700000" algn="tl">
+                    <a:srgbClr val="000000">
+                      <a:alpha val="43137"/>
+                    </a:srgbClr>
+                  </a:outerShdw>
+                </a:effectLst>
+              </a:rPr>
+              <a:t>put a reference to the model object from the scope</a:t>
+            </a:r>
+            <a:r>
+              <a:rPr lang="en-US" sz="3200" dirty="0">
+                <a:solidFill>
+                  <a:schemeClr val="bg1"/>
+                </a:solidFill>
+                <a:effectLst>
+                  <a:outerShdw blurRad="38100" dist="38100" dir="2700000" algn="tl">
+                    <a:srgbClr val="000000">
+                      <a:alpha val="43137"/>
+                    </a:srgbClr>
+                  </a:outerShdw>
+                </a:effectLst>
+              </a:rPr>
+              <a:t>.”</a:t>
+            </a:r>
+            <a:endParaRPr lang="de-DE" sz="3200" dirty="0">
+              <a:solidFill>
+                <a:schemeClr val="bg1"/>
+              </a:solidFill>
+              <a:effectLst>
+                <a:outerShdw blurRad="38100" dist="38100" dir="2700000" algn="tl">
+                  <a:srgbClr val="000000">
+                    <a:alpha val="43137"/>
+                  </a:srgbClr>
+                </a:outerShdw>
+              </a:effectLst>
+            </a:endParaRPr>
+          </a:p>
+        </p:txBody>
+      </p:sp>
+    </p:spTree>
+    <p:extLst>
+      <p:ext uri="{BB962C8B-B14F-4D97-AF65-F5344CB8AC3E}">
+        <p14:creationId xmlns:p14="http://schemas.microsoft.com/office/powerpoint/2010/main" val="1193776788"/>
+      </p:ext>
+    </p:extLst>
+  </p:cSld>
+  <p:clrMapOvr>
+    <a:masterClrMapping/>
+  </p:clrMapOvr>
+  <p:timing>
+    <p:tnLst>
+      <p:par>
+        <p:cTn id="1" dur="indefinite" restart="never" nodeType="tmRoot"/>
+      </p:par>
+    </p:tnLst>
+  </p:timing>
+</p:sld>
+</file>
+
+<file path=ppt/slides/slide15.xml><?xml version="1.0" encoding="utf-8"?>
+<p:sld xmlns:a="http://schemas.openxmlformats.org/drawingml/2006/main" xmlns:r="http://schemas.openxmlformats.org/officeDocument/2006/relationships" xmlns:p="http://schemas.openxmlformats.org/presentationml/2006/main">
+  <p:cSld>
+    <p:spTree>
+      <p:nvGrpSpPr>
+        <p:cNvPr id="1" name=""/>
+        <p:cNvGrpSpPr/>
+        <p:nvPr/>
+      </p:nvGrpSpPr>
+      <p:grpSpPr>
+        <a:xfrm>
+          <a:off x="0" y="0"/>
+          <a:ext cx="0" cy="0"/>
+          <a:chOff x="0" y="0"/>
+          <a:chExt cx="0" cy="0"/>
+        </a:xfrm>
+      </p:grpSpPr>
+      <p:pic>
+        <p:nvPicPr>
+          <p:cNvPr id="1026" name="Picture 2"/>
+          <p:cNvPicPr>
+            <a:picLocks noChangeAspect="1" noChangeArrowheads="1"/>
+          </p:cNvPicPr>
+          <p:nvPr/>
+        </p:nvPicPr>
+        <p:blipFill>
+          <a:blip r:embed="rId2">
+            <a:extLst>
+              <a:ext uri="{28A0092B-C50C-407E-A947-70E740481C1C}">
+                <a14:useLocalDpi xmlns:a14="http://schemas.microsoft.com/office/drawing/2010/main" val="0"/>
+              </a:ext>
+            </a:extLst>
+          </a:blip>
+          <a:srcRect/>
+          <a:stretch>
+            <a:fillRect/>
+          </a:stretch>
+        </p:blipFill>
+        <p:spPr bwMode="auto">
+          <a:xfrm>
+            <a:off x="0" y="0"/>
+            <a:ext cx="9144000" cy="6858000"/>
+          </a:xfrm>
+          <a:prstGeom prst="rect">
+            <a:avLst/>
+          </a:prstGeom>
+          <a:noFill/>
+          <a:ln>
+            <a:noFill/>
+          </a:ln>
+          <a:extLst>
+            <a:ext uri="{909E8E84-426E-40DD-AFC4-6F175D3DCCD1}">
+              <a14:hiddenFill xmlns:a14="http://schemas.microsoft.com/office/drawing/2010/main">
+                <a:solidFill>
+                  <a:schemeClr val="accent1"/>
+                </a:solidFill>
+              </a14:hiddenFill>
+            </a:ext>
+            <a:ext uri="{91240B29-F687-4F45-9708-019B960494DF}">
+              <a14:hiddenLine xmlns:a14="http://schemas.microsoft.com/office/drawing/2010/main" w="9525">
+                <a:solidFill>
+                  <a:schemeClr val="tx1"/>
+                </a:solidFill>
+                <a:miter lim="800000"/>
+                <a:headEnd/>
+                <a:tailEnd/>
+              </a14:hiddenLine>
+            </a:ext>
+          </a:extLst>
+        </p:spPr>
+      </p:pic>
+      <p:sp>
+        <p:nvSpPr>
+          <p:cNvPr id="3" name="TextBox 2"/>
+          <p:cNvSpPr txBox="1"/>
+          <p:nvPr/>
+        </p:nvSpPr>
+        <p:spPr>
+          <a:xfrm>
+            <a:off x="1719296" y="6165304"/>
+            <a:ext cx="5705408" cy="646331"/>
+          </a:xfrm>
+          <a:prstGeom prst="rect">
+            <a:avLst/>
+          </a:prstGeom>
+          <a:noFill/>
+        </p:spPr>
+        <p:txBody>
+          <a:bodyPr wrap="none" rtlCol="0">
+            <a:spAutoFit/>
+          </a:bodyPr>
+          <a:lstStyle/>
+          <a:p>
+            <a:pPr algn="ctr"/>
+            <a:r>
+              <a:rPr lang="en-US" dirty="0" err="1"/>
+              <a:t>AngularJS</a:t>
+            </a:r>
+            <a:r>
+              <a:rPr lang="en-US" dirty="0"/>
+              <a:t> MTV </a:t>
+            </a:r>
+            <a:r>
+              <a:rPr lang="en-US" dirty="0" err="1"/>
+              <a:t>Meetup</a:t>
+            </a:r>
+            <a:r>
+              <a:rPr lang="en-US" dirty="0"/>
+              <a:t>: Best Practices (2012/12/11) (30:08</a:t>
+            </a:r>
+            <a:r>
+              <a:rPr lang="en-US" dirty="0" smtClean="0"/>
+              <a:t>)</a:t>
+            </a:r>
+            <a:br>
+              <a:rPr lang="en-US" dirty="0" smtClean="0"/>
+            </a:br>
+            <a:r>
+              <a:rPr lang="en-US" dirty="0" smtClean="0"/>
+              <a:t>http</a:t>
+            </a:r>
+            <a:r>
+              <a:rPr lang="en-US" dirty="0"/>
+              <a:t>://www.youtube.com/watch?v=ZhfUv0spHCY </a:t>
+            </a:r>
+            <a:endParaRPr lang="de-DE" dirty="0"/>
+          </a:p>
+        </p:txBody>
+      </p:sp>
+    </p:spTree>
+    <p:extLst>
+      <p:ext uri="{BB962C8B-B14F-4D97-AF65-F5344CB8AC3E}">
+        <p14:creationId xmlns:p14="http://schemas.microsoft.com/office/powerpoint/2010/main" val="1084210977"/>
+      </p:ext>
+    </p:extLst>
+  </p:cSld>
+  <p:clrMapOvr>
+    <a:masterClrMapping/>
+  </p:clrMapOvr>
+  <p:timing>
+    <p:tnLst>
+      <p:par>
+        <p:cTn id="1" dur="indefinite" restart="never" nodeType="tmRoot"/>
+      </p:par>
+    </p:tnLst>
+  </p:timing>
+</p:sld>
+</file>
+
+<file path=ppt/slides/slide16.xml><?xml version="1.0" encoding="utf-8"?>
+<p:sld xmlns:a="http://schemas.openxmlformats.org/drawingml/2006/main" xmlns:r="http://schemas.openxmlformats.org/officeDocument/2006/relationships" xmlns:p="http://schemas.openxmlformats.org/presentationml/2006/main">
+  <p:cSld>
+    <p:bg>
+      <p:bgPr>
+        <a:solidFill>
+          <a:schemeClr val="bg1">
+            <a:lumMod val="75000"/>
+          </a:schemeClr>
+        </a:solidFill>
+        <a:effectLst/>
+      </p:bgPr>
+    </p:bg>
+    <p:spTree>
+      <p:nvGrpSpPr>
+        <p:cNvPr id="1" name=""/>
+        <p:cNvGrpSpPr/>
+        <p:nvPr/>
+      </p:nvGrpSpPr>
+      <p:grpSpPr>
+        <a:xfrm>
+          <a:off x="0" y="0"/>
+          <a:ext cx="0" cy="0"/>
+          <a:chOff x="0" y="0"/>
+          <a:chExt cx="0" cy="0"/>
+        </a:xfrm>
+      </p:grpSpPr>
+      <p:sp>
+        <p:nvSpPr>
+          <p:cNvPr id="2" name="Title 1"/>
+          <p:cNvSpPr txBox="1">
+            <a:spLocks/>
+          </p:cNvSpPr>
+          <p:nvPr/>
+        </p:nvSpPr>
+        <p:spPr>
+          <a:xfrm>
+            <a:off x="457200" y="274638"/>
+            <a:ext cx="8229600" cy="1143000"/>
+          </a:xfrm>
+          <a:prstGeom prst="rect">
+            <a:avLst/>
+          </a:prstGeom>
+          <a:effectLst>
+            <a:outerShdw blurRad="50800" dist="38100" dir="2700000" algn="tl" rotWithShape="0">
+              <a:prstClr val="black">
+                <a:alpha val="40000"/>
+              </a:prstClr>
+            </a:outerShdw>
+          </a:effectLst>
+        </p:spPr>
+        <p:txBody>
+          <a:bodyPr>
+            <a:normAutofit/>
+          </a:bodyPr>
+          <a:lstStyle>
+            <a:lvl1pPr algn="ctr" defTabSz="914400" rtl="0" eaLnBrk="1" latinLnBrk="0" hangingPunct="1">
+              <a:spcBef>
+                <a:spcPct val="0"/>
+              </a:spcBef>
+              <a:buNone/>
+              <a:defRPr sz="4400" kern="1200">
+                <a:solidFill>
+                  <a:schemeClr val="tx1"/>
+                </a:solidFill>
+                <a:latin typeface="+mj-lt"/>
+                <a:ea typeface="+mj-ea"/>
+                <a:cs typeface="+mj-cs"/>
+              </a:defRPr>
+            </a:lvl1pPr>
+          </a:lstStyle>
+          <a:p>
+            <a:r>
+              <a:rPr lang="de-DE" sz="6600" b="1" dirty="0" smtClean="0">
+                <a:solidFill>
+                  <a:schemeClr val="accent6">
+                    <a:lumMod val="75000"/>
+                  </a:schemeClr>
+                </a:solidFill>
+                <a:effectLst>
+                  <a:outerShdw blurRad="38100" dist="38100" dir="2700000" algn="tl">
+                    <a:srgbClr val="000000">
+                      <a:alpha val="43137"/>
+                    </a:srgbClr>
+                  </a:outerShdw>
+                </a:effectLst>
+              </a:rPr>
+              <a:t>Example</a:t>
+            </a:r>
+            <a:endParaRPr lang="de-DE" sz="6600" b="1" dirty="0">
+              <a:solidFill>
+                <a:schemeClr val="accent6">
+                  <a:lumMod val="75000"/>
+                </a:schemeClr>
+              </a:solidFill>
+              <a:effectLst>
+                <a:outerShdw blurRad="38100" dist="38100" dir="2700000" algn="tl">
+                  <a:srgbClr val="000000">
+                    <a:alpha val="43137"/>
+                  </a:srgbClr>
+                </a:outerShdw>
+              </a:effectLst>
+            </a:endParaRPr>
+          </a:p>
+        </p:txBody>
+      </p:sp>
+      <p:pic>
+        <p:nvPicPr>
+          <p:cNvPr id="2052" name="Picture 4"/>
+          <p:cNvPicPr>
+            <a:picLocks noChangeAspect="1" noChangeArrowheads="1"/>
+          </p:cNvPicPr>
+          <p:nvPr/>
+        </p:nvPicPr>
+        <p:blipFill>
+          <a:blip r:embed="rId2">
+            <a:extLst>
+              <a:ext uri="{28A0092B-C50C-407E-A947-70E740481C1C}">
+                <a14:useLocalDpi xmlns:a14="http://schemas.microsoft.com/office/drawing/2010/main" val="0"/>
+              </a:ext>
+            </a:extLst>
+          </a:blip>
+          <a:srcRect/>
+          <a:stretch>
+            <a:fillRect/>
+          </a:stretch>
+        </p:blipFill>
+        <p:spPr bwMode="auto">
+          <a:xfrm>
+            <a:off x="309563" y="2924944"/>
+            <a:ext cx="8524875" cy="1752600"/>
+          </a:xfrm>
+          <a:prstGeom prst="rect">
+            <a:avLst/>
+          </a:prstGeom>
+          <a:noFill/>
+          <a:ln>
+            <a:noFill/>
+          </a:ln>
+          <a:extLst>
+            <a:ext uri="{909E8E84-426E-40DD-AFC4-6F175D3DCCD1}">
+              <a14:hiddenFill xmlns:a14="http://schemas.microsoft.com/office/drawing/2010/main">
+                <a:solidFill>
+                  <a:schemeClr val="accent1"/>
+                </a:solidFill>
+              </a14:hiddenFill>
+            </a:ext>
+            <a:ext uri="{91240B29-F687-4F45-9708-019B960494DF}">
+              <a14:hiddenLine xmlns:a14="http://schemas.microsoft.com/office/drawing/2010/main" w="9525">
+                <a:solidFill>
+                  <a:schemeClr val="tx1"/>
+                </a:solidFill>
+                <a:miter lim="800000"/>
+                <a:headEnd/>
+                <a:tailEnd/>
+              </a14:hiddenLine>
+            </a:ext>
+          </a:extLst>
+        </p:spPr>
+      </p:pic>
+      <p:sp>
+        <p:nvSpPr>
+          <p:cNvPr id="6" name="TextBox 5"/>
+          <p:cNvSpPr txBox="1"/>
+          <p:nvPr/>
+        </p:nvSpPr>
+        <p:spPr>
+          <a:xfrm>
+            <a:off x="1001023" y="6372036"/>
+            <a:ext cx="7141955" cy="369332"/>
+          </a:xfrm>
+          <a:prstGeom prst="rect">
+            <a:avLst/>
+          </a:prstGeom>
+          <a:noFill/>
+        </p:spPr>
+        <p:txBody>
+          <a:bodyPr wrap="none" rtlCol="0">
+            <a:spAutoFit/>
+          </a:bodyPr>
+          <a:lstStyle/>
+          <a:p>
+            <a:r>
+              <a:rPr lang="de-DE" dirty="0" smtClean="0"/>
+              <a:t>\src\examples\AngularJS - Shopping </a:t>
+            </a:r>
+            <a:r>
+              <a:rPr lang="de-DE" dirty="0" smtClean="0"/>
+              <a:t>Cart\ShoppingCartWithTheModel.html</a:t>
+            </a:r>
+            <a:endParaRPr lang="de-DE" dirty="0"/>
+          </a:p>
+        </p:txBody>
+      </p:sp>
+      <p:sp>
+        <p:nvSpPr>
+          <p:cNvPr id="5" name="Title 1"/>
+          <p:cNvSpPr txBox="1">
+            <a:spLocks/>
+          </p:cNvSpPr>
+          <p:nvPr/>
+        </p:nvSpPr>
+        <p:spPr>
+          <a:xfrm>
+            <a:off x="457200" y="1340768"/>
+            <a:ext cx="8229600" cy="1143000"/>
+          </a:xfrm>
+          <a:prstGeom prst="rect">
+            <a:avLst/>
+          </a:prstGeom>
+          <a:effectLst>
+            <a:outerShdw blurRad="50800" dist="38100" dir="2700000" algn="tl" rotWithShape="0">
+              <a:prstClr val="black">
+                <a:alpha val="40000"/>
+              </a:prstClr>
+            </a:outerShdw>
+          </a:effectLst>
+        </p:spPr>
+        <p:txBody>
+          <a:bodyPr>
+            <a:normAutofit/>
+          </a:bodyPr>
+          <a:lstStyle>
+            <a:lvl1pPr algn="ctr" defTabSz="914400" rtl="0" eaLnBrk="1" latinLnBrk="0" hangingPunct="1">
+              <a:spcBef>
+                <a:spcPct val="0"/>
+              </a:spcBef>
+              <a:buNone/>
+              <a:defRPr sz="4400" kern="1200">
+                <a:solidFill>
+                  <a:schemeClr val="tx1"/>
+                </a:solidFill>
+                <a:latin typeface="+mj-lt"/>
+                <a:ea typeface="+mj-ea"/>
+                <a:cs typeface="+mj-cs"/>
+              </a:defRPr>
+            </a:lvl1pPr>
+          </a:lstStyle>
+          <a:p>
+            <a:r>
+              <a:rPr lang="de-DE" sz="4000" b="1" dirty="0">
+                <a:solidFill>
+                  <a:schemeClr val="accent6">
+                    <a:lumMod val="75000"/>
+                  </a:schemeClr>
+                </a:solidFill>
+                <a:effectLst>
+                  <a:outerShdw blurRad="38100" dist="38100" dir="2700000" algn="tl">
+                    <a:srgbClr val="000000">
+                      <a:alpha val="43137"/>
+                    </a:srgbClr>
+                  </a:outerShdw>
+                </a:effectLst>
+              </a:rPr>
+              <a:t>Shopping Cart With t</a:t>
+            </a:r>
+            <a:r>
+              <a:rPr lang="de-DE" sz="4000" b="1" dirty="0" smtClean="0">
+                <a:solidFill>
+                  <a:schemeClr val="accent6">
+                    <a:lumMod val="75000"/>
+                  </a:schemeClr>
+                </a:solidFill>
+                <a:effectLst>
+                  <a:outerShdw blurRad="38100" dist="38100" dir="2700000" algn="tl">
+                    <a:srgbClr val="000000">
+                      <a:alpha val="43137"/>
+                    </a:srgbClr>
+                  </a:outerShdw>
+                </a:effectLst>
+              </a:rPr>
+              <a:t>he </a:t>
+            </a:r>
+            <a:r>
+              <a:rPr lang="de-DE" sz="4000" b="1" dirty="0">
+                <a:solidFill>
+                  <a:schemeClr val="accent6">
+                    <a:lumMod val="75000"/>
+                  </a:schemeClr>
+                </a:solidFill>
+                <a:effectLst>
+                  <a:outerShdw blurRad="38100" dist="38100" dir="2700000" algn="tl">
+                    <a:srgbClr val="000000">
+                      <a:alpha val="43137"/>
+                    </a:srgbClr>
+                  </a:outerShdw>
+                </a:effectLst>
+              </a:rPr>
+              <a:t>Model</a:t>
+            </a:r>
+            <a:endParaRPr lang="de-DE" sz="4000" b="1" dirty="0">
+              <a:solidFill>
+                <a:schemeClr val="accent6">
+                  <a:lumMod val="75000"/>
+                </a:schemeClr>
+              </a:solidFill>
+              <a:effectLst>
+                <a:outerShdw blurRad="38100" dist="38100" dir="2700000" algn="tl">
+                  <a:srgbClr val="000000">
+                    <a:alpha val="43137"/>
+                  </a:srgbClr>
+                </a:outerShdw>
+              </a:effectLst>
+            </a:endParaRPr>
+          </a:p>
+        </p:txBody>
+      </p:sp>
+    </p:spTree>
+    <p:extLst>
+      <p:ext uri="{BB962C8B-B14F-4D97-AF65-F5344CB8AC3E}">
+        <p14:creationId xmlns:p14="http://schemas.microsoft.com/office/powerpoint/2010/main" val="804425379"/>
+      </p:ext>
+    </p:extLst>
+  </p:cSld>
+  <p:clrMapOvr>
+    <a:masterClrMapping/>
+  </p:clrMapOvr>
+  <p:timing>
+    <p:tnLst>
+      <p:par>
+        <p:cTn id="1" dur="indefinite" restart="never" nodeType="tmRoot"/>
+      </p:par>
+    </p:tnLst>
+  </p:timing>
+</p:sld>
+</file>
+
+<file path=ppt/slides/slide17.xml><?xml version="1.0" encoding="utf-8"?>
+<p:sld xmlns:a="http://schemas.openxmlformats.org/drawingml/2006/main" xmlns:r="http://schemas.openxmlformats.org/officeDocument/2006/relationships" xmlns:p="http://schemas.openxmlformats.org/presentationml/2006/main">
+  <p:cSld>
+    <p:bg>
+      <p:bgPr>
+        <a:solidFill>
+          <a:schemeClr val="tx1"/>
+        </a:solidFill>
+        <a:effectLst/>
+      </p:bgPr>
+    </p:bg>
+    <p:spTree>
+      <p:nvGrpSpPr>
+        <p:cNvPr id="1" name=""/>
+        <p:cNvGrpSpPr/>
+        <p:nvPr/>
+      </p:nvGrpSpPr>
+      <p:grpSpPr>
+        <a:xfrm>
+          <a:off x="0" y="0"/>
+          <a:ext cx="0" cy="0"/>
+          <a:chOff x="0" y="0"/>
+          <a:chExt cx="0" cy="0"/>
+        </a:xfrm>
+      </p:grpSpPr>
+      <p:sp>
+        <p:nvSpPr>
+          <p:cNvPr id="2" name="Title 1"/>
+          <p:cNvSpPr>
+            <a:spLocks noGrp="1"/>
+          </p:cNvSpPr>
+          <p:nvPr>
+            <p:ph type="title"/>
+          </p:nvPr>
+        </p:nvSpPr>
+        <p:spPr>
+          <a:effectLst>
+            <a:outerShdw blurRad="50800" dist="38100" dir="2700000" algn="tl" rotWithShape="0">
+              <a:prstClr val="black">
+                <a:alpha val="40000"/>
+              </a:prstClr>
+            </a:outerShdw>
+          </a:effectLst>
+        </p:spPr>
+        <p:txBody>
+          <a:bodyPr>
+            <a:normAutofit/>
+          </a:bodyPr>
+          <a:lstStyle/>
+          <a:p>
+            <a:r>
+              <a:rPr lang="de-DE" sz="6600" b="1" dirty="0" smtClean="0">
+                <a:solidFill>
+                  <a:schemeClr val="accent6">
+                    <a:lumMod val="75000"/>
+                  </a:schemeClr>
+                </a:solidFill>
+                <a:effectLst>
+                  <a:outerShdw blurRad="38100" dist="38100" dir="2700000" algn="tl">
+                    <a:srgbClr val="000000">
+                      <a:alpha val="43137"/>
+                    </a:srgbClr>
+                  </a:outerShdw>
+                </a:effectLst>
+              </a:rPr>
+              <a:t>Model</a:t>
+            </a:r>
+            <a:r>
+              <a:rPr lang="de-DE" sz="6600" b="1" dirty="0" smtClean="0">
+                <a:solidFill>
+                  <a:schemeClr val="bg1">
+                    <a:lumMod val="65000"/>
+                  </a:schemeClr>
+                </a:solidFill>
+                <a:effectLst>
+                  <a:outerShdw blurRad="38100" dist="38100" dir="2700000" algn="tl">
+                    <a:srgbClr val="000000">
+                      <a:alpha val="43137"/>
+                    </a:srgbClr>
+                  </a:outerShdw>
+                </a:effectLst>
+              </a:rPr>
+              <a:t>-View-Controler</a:t>
+            </a:r>
+            <a:endParaRPr lang="de-DE" sz="6600" b="1" dirty="0">
+              <a:solidFill>
+                <a:schemeClr val="bg1">
+                  <a:lumMod val="65000"/>
+                </a:schemeClr>
+              </a:solidFill>
+              <a:effectLst>
+                <a:outerShdw blurRad="38100" dist="38100" dir="2700000" algn="tl">
+                  <a:srgbClr val="000000">
+                    <a:alpha val="43137"/>
+                  </a:srgbClr>
+                </a:outerShdw>
+              </a:effectLst>
+            </a:endParaRPr>
+          </a:p>
+        </p:txBody>
+      </p:sp>
+      <p:pic>
+        <p:nvPicPr>
+          <p:cNvPr id="2051" name="Picture 3"/>
+          <p:cNvPicPr>
+            <a:picLocks noChangeAspect="1" noChangeArrowheads="1"/>
+          </p:cNvPicPr>
+          <p:nvPr/>
+        </p:nvPicPr>
+        <p:blipFill>
+          <a:blip r:embed="rId2">
+            <a:extLst>
+              <a:ext uri="{28A0092B-C50C-407E-A947-70E740481C1C}">
+                <a14:useLocalDpi xmlns:a14="http://schemas.microsoft.com/office/drawing/2010/main" val="0"/>
+              </a:ext>
+            </a:extLst>
+          </a:blip>
+          <a:srcRect/>
+          <a:stretch>
+            <a:fillRect/>
+          </a:stretch>
+        </p:blipFill>
+        <p:spPr bwMode="auto">
+          <a:xfrm>
+            <a:off x="1043608" y="1268760"/>
+            <a:ext cx="7056784" cy="5517528"/>
+          </a:xfrm>
+          <a:prstGeom prst="rect">
+            <a:avLst/>
+          </a:prstGeom>
+          <a:noFill/>
+          <a:ln>
+            <a:noFill/>
+          </a:ln>
+          <a:extLst>
+            <a:ext uri="{909E8E84-426E-40DD-AFC4-6F175D3DCCD1}">
+              <a14:hiddenFill xmlns:a14="http://schemas.microsoft.com/office/drawing/2010/main">
+                <a:solidFill>
+                  <a:schemeClr val="accent1"/>
+                </a:solidFill>
+              </a14:hiddenFill>
+            </a:ext>
+            <a:ext uri="{91240B29-F687-4F45-9708-019B960494DF}">
+              <a14:hiddenLine xmlns:a14="http://schemas.microsoft.com/office/drawing/2010/main" w="9525">
+                <a:solidFill>
+                  <a:schemeClr val="tx1"/>
+                </a:solidFill>
+                <a:miter lim="800000"/>
+                <a:headEnd/>
+                <a:tailEnd/>
+              </a14:hiddenLine>
+            </a:ext>
+          </a:extLst>
+        </p:spPr>
+      </p:pic>
+      <p:cxnSp>
+        <p:nvCxnSpPr>
+          <p:cNvPr id="6" name="Straight Connector 5"/>
+          <p:cNvCxnSpPr/>
+          <p:nvPr/>
+        </p:nvCxnSpPr>
+        <p:spPr>
+          <a:xfrm>
+            <a:off x="3094804" y="1428944"/>
+            <a:ext cx="431976" cy="0"/>
+          </a:xfrm>
+          <a:prstGeom prst="line">
+            <a:avLst/>
+          </a:prstGeom>
+          <a:ln w="44450">
+            <a:solidFill>
+              <a:schemeClr val="accent6">
+                <a:lumMod val="75000"/>
+              </a:schemeClr>
+            </a:solidFill>
+          </a:ln>
+        </p:spPr>
+        <p:style>
+          <a:lnRef idx="1">
+            <a:schemeClr val="accent1"/>
+          </a:lnRef>
+          <a:fillRef idx="0">
+            <a:schemeClr val="accent1"/>
+          </a:fillRef>
+          <a:effectRef idx="0">
+            <a:schemeClr val="accent1"/>
+          </a:effectRef>
+          <a:fontRef idx="minor">
+            <a:schemeClr val="tx1"/>
+          </a:fontRef>
+        </p:style>
+      </p:cxnSp>
+      <p:cxnSp>
+        <p:nvCxnSpPr>
+          <p:cNvPr id="8" name="Straight Connector 7"/>
+          <p:cNvCxnSpPr/>
+          <p:nvPr/>
+        </p:nvCxnSpPr>
+        <p:spPr>
+          <a:xfrm>
+            <a:off x="2374652" y="1779796"/>
+            <a:ext cx="431976" cy="0"/>
+          </a:xfrm>
+          <a:prstGeom prst="line">
+            <a:avLst/>
+          </a:prstGeom>
+          <a:ln w="44450">
+            <a:solidFill>
+              <a:schemeClr val="accent6">
+                <a:lumMod val="75000"/>
+              </a:schemeClr>
+            </a:solidFill>
+          </a:ln>
+        </p:spPr>
+        <p:style>
+          <a:lnRef idx="1">
+            <a:schemeClr val="accent1"/>
+          </a:lnRef>
+          <a:fillRef idx="0">
+            <a:schemeClr val="accent1"/>
+          </a:fillRef>
+          <a:effectRef idx="0">
+            <a:schemeClr val="accent1"/>
+          </a:effectRef>
+          <a:fontRef idx="minor">
+            <a:schemeClr val="tx1"/>
+          </a:fontRef>
+        </p:style>
+      </p:cxnSp>
+      <p:cxnSp>
+        <p:nvCxnSpPr>
+          <p:cNvPr id="9" name="Straight Connector 8"/>
+          <p:cNvCxnSpPr/>
+          <p:nvPr/>
+        </p:nvCxnSpPr>
+        <p:spPr>
+          <a:xfrm>
+            <a:off x="2023800" y="3737972"/>
+            <a:ext cx="431976" cy="0"/>
+          </a:xfrm>
+          <a:prstGeom prst="line">
+            <a:avLst/>
+          </a:prstGeom>
+          <a:ln w="44450">
+            <a:solidFill>
+              <a:schemeClr val="accent6">
+                <a:lumMod val="75000"/>
+              </a:schemeClr>
+            </a:solidFill>
+          </a:ln>
+        </p:spPr>
+        <p:style>
+          <a:lnRef idx="1">
+            <a:schemeClr val="accent1"/>
+          </a:lnRef>
+          <a:fillRef idx="0">
+            <a:schemeClr val="accent1"/>
+          </a:fillRef>
+          <a:effectRef idx="0">
+            <a:schemeClr val="accent1"/>
+          </a:effectRef>
+          <a:fontRef idx="minor">
+            <a:schemeClr val="tx1"/>
+          </a:fontRef>
+        </p:style>
+      </p:cxnSp>
+      <p:cxnSp>
+        <p:nvCxnSpPr>
+          <p:cNvPr id="10" name="Straight Connector 9"/>
+          <p:cNvCxnSpPr/>
+          <p:nvPr/>
+        </p:nvCxnSpPr>
+        <p:spPr>
+          <a:xfrm>
+            <a:off x="2202884" y="5533400"/>
+            <a:ext cx="431976" cy="0"/>
+          </a:xfrm>
+          <a:prstGeom prst="line">
+            <a:avLst/>
+          </a:prstGeom>
+          <a:ln w="44450">
+            <a:solidFill>
+              <a:schemeClr val="accent6">
+                <a:lumMod val="75000"/>
+              </a:schemeClr>
+            </a:solidFill>
+          </a:ln>
+        </p:spPr>
+        <p:style>
+          <a:lnRef idx="1">
+            <a:schemeClr val="accent1"/>
+          </a:lnRef>
+          <a:fillRef idx="0">
+            <a:schemeClr val="accent1"/>
+          </a:fillRef>
+          <a:effectRef idx="0">
+            <a:schemeClr val="accent1"/>
+          </a:effectRef>
+          <a:fontRef idx="minor">
+            <a:schemeClr val="tx1"/>
+          </a:fontRef>
+        </p:style>
+      </p:cxnSp>
+      <p:cxnSp>
+        <p:nvCxnSpPr>
+          <p:cNvPr id="11" name="Straight Connector 10"/>
+          <p:cNvCxnSpPr/>
+          <p:nvPr/>
+        </p:nvCxnSpPr>
+        <p:spPr>
+          <a:xfrm>
+            <a:off x="2200544" y="6237312"/>
+            <a:ext cx="431976" cy="0"/>
+          </a:xfrm>
+          <a:prstGeom prst="line">
+            <a:avLst/>
+          </a:prstGeom>
+          <a:ln w="44450">
+            <a:solidFill>
+              <a:schemeClr val="accent6">
+                <a:lumMod val="75000"/>
+              </a:schemeClr>
+            </a:solidFill>
+          </a:ln>
+        </p:spPr>
+        <p:style>
+          <a:lnRef idx="1">
+            <a:schemeClr val="accent1"/>
+          </a:lnRef>
+          <a:fillRef idx="0">
+            <a:schemeClr val="accent1"/>
+          </a:fillRef>
+          <a:effectRef idx="0">
+            <a:schemeClr val="accent1"/>
+          </a:effectRef>
+          <a:fontRef idx="minor">
+            <a:schemeClr val="tx1"/>
+          </a:fontRef>
+        </p:style>
+      </p:cxnSp>
+      <p:cxnSp>
+        <p:nvCxnSpPr>
+          <p:cNvPr id="12" name="Straight Connector 11"/>
+          <p:cNvCxnSpPr/>
+          <p:nvPr/>
+        </p:nvCxnSpPr>
+        <p:spPr>
+          <a:xfrm>
+            <a:off x="5141084" y="6237312"/>
+            <a:ext cx="431976" cy="0"/>
+          </a:xfrm>
+          <a:prstGeom prst="line">
+            <a:avLst/>
+          </a:prstGeom>
+          <a:ln w="44450">
+            <a:solidFill>
+              <a:schemeClr val="accent6">
+                <a:lumMod val="75000"/>
+              </a:schemeClr>
+            </a:solidFill>
+          </a:ln>
+        </p:spPr>
+        <p:style>
+          <a:lnRef idx="1">
+            <a:schemeClr val="accent1"/>
+          </a:lnRef>
+          <a:fillRef idx="0">
+            <a:schemeClr val="accent1"/>
+          </a:fillRef>
+          <a:effectRef idx="0">
+            <a:schemeClr val="accent1"/>
+          </a:effectRef>
+          <a:fontRef idx="minor">
+            <a:schemeClr val="tx1"/>
+          </a:fontRef>
+        </p:style>
+      </p:cxnSp>
+      <p:sp>
+        <p:nvSpPr>
+          <p:cNvPr id="4" name="Rectangle 3"/>
+          <p:cNvSpPr/>
+          <p:nvPr/>
+        </p:nvSpPr>
+        <p:spPr>
+          <a:xfrm>
+            <a:off x="3635896" y="1268760"/>
+            <a:ext cx="432048" cy="160184"/>
+          </a:xfrm>
+          <a:prstGeom prst="rect">
+            <a:avLst/>
+          </a:prstGeom>
+          <a:solidFill>
+            <a:schemeClr val="accent6">
+              <a:lumMod val="75000"/>
+              <a:alpha val="50000"/>
+            </a:schemeClr>
+          </a:solidFill>
+          <a:ln>
+            <a:noFill/>
+          </a:ln>
+        </p:spPr>
+        <p:style>
+          <a:lnRef idx="2">
+            <a:schemeClr val="accent1">
+              <a:shade val="50000"/>
+            </a:schemeClr>
+          </a:lnRef>
+          <a:fillRef idx="1">
+            <a:schemeClr val="accent1"/>
+          </a:fillRef>
+          <a:effectRef idx="0">
+            <a:schemeClr val="accent1"/>
+          </a:effectRef>
+          <a:fontRef idx="minor">
+            <a:schemeClr val="lt1"/>
+          </a:fontRef>
+        </p:style>
+        <p:txBody>
+          <a:bodyPr rtlCol="0" anchor="ctr"/>
+          <a:lstStyle/>
+          <a:p>
+            <a:pPr algn="ctr"/>
+            <a:endParaRPr lang="de-DE"/>
+          </a:p>
+        </p:txBody>
+      </p:sp>
+      <p:sp>
+        <p:nvSpPr>
+          <p:cNvPr id="14" name="Rectangle 13"/>
+          <p:cNvSpPr/>
+          <p:nvPr/>
+        </p:nvSpPr>
+        <p:spPr>
+          <a:xfrm>
+            <a:off x="1768496" y="3745471"/>
+            <a:ext cx="432048" cy="160184"/>
+          </a:xfrm>
+          <a:prstGeom prst="rect">
+            <a:avLst/>
+          </a:prstGeom>
+          <a:solidFill>
+            <a:schemeClr val="accent6">
+              <a:lumMod val="75000"/>
+              <a:alpha val="50000"/>
+            </a:schemeClr>
+          </a:solidFill>
+          <a:ln>
+            <a:noFill/>
+          </a:ln>
+        </p:spPr>
+        <p:style>
+          <a:lnRef idx="2">
+            <a:schemeClr val="accent1">
+              <a:shade val="50000"/>
+            </a:schemeClr>
+          </a:lnRef>
+          <a:fillRef idx="1">
+            <a:schemeClr val="accent1"/>
+          </a:fillRef>
+          <a:effectRef idx="0">
+            <a:schemeClr val="accent1"/>
+          </a:effectRef>
+          <a:fontRef idx="minor">
+            <a:schemeClr val="lt1"/>
+          </a:fontRef>
+        </p:style>
+        <p:txBody>
+          <a:bodyPr rtlCol="0" anchor="ctr"/>
+          <a:lstStyle/>
+          <a:p>
+            <a:pPr algn="ctr"/>
+            <a:endParaRPr lang="de-DE"/>
+          </a:p>
+        </p:txBody>
+      </p:sp>
+      <p:sp>
+        <p:nvSpPr>
+          <p:cNvPr id="15" name="Rectangle 14"/>
+          <p:cNvSpPr/>
+          <p:nvPr/>
+        </p:nvSpPr>
+        <p:spPr>
+          <a:xfrm>
+            <a:off x="2743363" y="5365512"/>
+            <a:ext cx="432048" cy="160184"/>
+          </a:xfrm>
+          <a:prstGeom prst="rect">
+            <a:avLst/>
+          </a:prstGeom>
+          <a:solidFill>
+            <a:schemeClr val="accent6">
+              <a:lumMod val="75000"/>
+              <a:alpha val="50000"/>
+            </a:schemeClr>
+          </a:solidFill>
+          <a:ln>
+            <a:noFill/>
+          </a:ln>
+        </p:spPr>
+        <p:style>
+          <a:lnRef idx="2">
+            <a:schemeClr val="accent1">
+              <a:shade val="50000"/>
+            </a:schemeClr>
+          </a:lnRef>
+          <a:fillRef idx="1">
+            <a:schemeClr val="accent1"/>
+          </a:fillRef>
+          <a:effectRef idx="0">
+            <a:schemeClr val="accent1"/>
+          </a:effectRef>
+          <a:fontRef idx="minor">
+            <a:schemeClr val="lt1"/>
+          </a:fontRef>
+        </p:style>
+        <p:txBody>
+          <a:bodyPr rtlCol="0" anchor="ctr"/>
+          <a:lstStyle/>
+          <a:p>
+            <a:pPr algn="ctr"/>
+            <a:endParaRPr lang="de-DE"/>
+          </a:p>
+        </p:txBody>
+      </p:sp>
+      <p:sp>
+        <p:nvSpPr>
+          <p:cNvPr id="16" name="Rectangle 15"/>
+          <p:cNvSpPr/>
+          <p:nvPr/>
+        </p:nvSpPr>
+        <p:spPr>
+          <a:xfrm>
+            <a:off x="1753175" y="4653136"/>
+            <a:ext cx="1440000" cy="160184"/>
+          </a:xfrm>
+          <a:prstGeom prst="rect">
+            <a:avLst/>
+          </a:prstGeom>
+          <a:solidFill>
+            <a:schemeClr val="accent6">
+              <a:lumMod val="75000"/>
+              <a:alpha val="50000"/>
+            </a:schemeClr>
+          </a:solidFill>
+          <a:ln>
+            <a:noFill/>
+          </a:ln>
+        </p:spPr>
+        <p:style>
+          <a:lnRef idx="2">
+            <a:schemeClr val="accent1">
+              <a:shade val="50000"/>
+            </a:schemeClr>
+          </a:lnRef>
+          <a:fillRef idx="1">
+            <a:schemeClr val="accent1"/>
+          </a:fillRef>
+          <a:effectRef idx="0">
+            <a:schemeClr val="accent1"/>
+          </a:effectRef>
+          <a:fontRef idx="minor">
+            <a:schemeClr val="lt1"/>
+          </a:fontRef>
+        </p:style>
+        <p:txBody>
+          <a:bodyPr rtlCol="0" anchor="ctr"/>
+          <a:lstStyle/>
+          <a:p>
+            <a:pPr algn="ctr"/>
+            <a:endParaRPr lang="de-DE"/>
+          </a:p>
+        </p:txBody>
+      </p:sp>
+      <p:sp>
+        <p:nvSpPr>
+          <p:cNvPr id="17" name="Rectangle 16"/>
+          <p:cNvSpPr/>
+          <p:nvPr/>
+        </p:nvSpPr>
+        <p:spPr>
+          <a:xfrm>
+            <a:off x="2729403" y="6077128"/>
+            <a:ext cx="1440000" cy="160184"/>
+          </a:xfrm>
+          <a:prstGeom prst="rect">
+            <a:avLst/>
+          </a:prstGeom>
+          <a:solidFill>
+            <a:schemeClr val="accent6">
+              <a:lumMod val="75000"/>
+              <a:alpha val="50000"/>
+            </a:schemeClr>
+          </a:solidFill>
+          <a:ln>
+            <a:noFill/>
+          </a:ln>
+        </p:spPr>
+        <p:style>
+          <a:lnRef idx="2">
+            <a:schemeClr val="accent1">
+              <a:shade val="50000"/>
+            </a:schemeClr>
+          </a:lnRef>
+          <a:fillRef idx="1">
+            <a:schemeClr val="accent1"/>
+          </a:fillRef>
+          <a:effectRef idx="0">
+            <a:schemeClr val="accent1"/>
+          </a:effectRef>
+          <a:fontRef idx="minor">
+            <a:schemeClr val="lt1"/>
+          </a:fontRef>
+        </p:style>
+        <p:txBody>
+          <a:bodyPr rtlCol="0" anchor="ctr"/>
+          <a:lstStyle/>
+          <a:p>
+            <a:pPr algn="ctr"/>
+            <a:endParaRPr lang="de-DE"/>
+          </a:p>
+        </p:txBody>
+      </p:sp>
+      <p:sp>
+        <p:nvSpPr>
+          <p:cNvPr id="18" name="Rectangle 17"/>
+          <p:cNvSpPr/>
+          <p:nvPr/>
+        </p:nvSpPr>
+        <p:spPr>
+          <a:xfrm>
+            <a:off x="5669296" y="6077128"/>
+            <a:ext cx="1440000" cy="160184"/>
+          </a:xfrm>
+          <a:prstGeom prst="rect">
+            <a:avLst/>
+          </a:prstGeom>
+          <a:solidFill>
+            <a:schemeClr val="accent6">
+              <a:lumMod val="75000"/>
+              <a:alpha val="50000"/>
+            </a:schemeClr>
+          </a:solidFill>
+          <a:ln>
+            <a:noFill/>
+          </a:ln>
+        </p:spPr>
+        <p:style>
+          <a:lnRef idx="2">
+            <a:schemeClr val="accent1">
+              <a:shade val="50000"/>
+            </a:schemeClr>
+          </a:lnRef>
+          <a:fillRef idx="1">
+            <a:schemeClr val="accent1"/>
+          </a:fillRef>
+          <a:effectRef idx="0">
+            <a:schemeClr val="accent1"/>
+          </a:effectRef>
+          <a:fontRef idx="minor">
+            <a:schemeClr val="lt1"/>
+          </a:fontRef>
+        </p:style>
+        <p:txBody>
+          <a:bodyPr rtlCol="0" anchor="ctr"/>
+          <a:lstStyle/>
+          <a:p>
+            <a:pPr algn="ctr"/>
+            <a:endParaRPr lang="de-DE"/>
+          </a:p>
+        </p:txBody>
+      </p:sp>
+    </p:spTree>
+    <p:extLst>
+      <p:ext uri="{BB962C8B-B14F-4D97-AF65-F5344CB8AC3E}">
+        <p14:creationId xmlns:p14="http://schemas.microsoft.com/office/powerpoint/2010/main" val="4225010724"/>
+      </p:ext>
+    </p:extLst>
+  </p:cSld>
+  <p:clrMapOvr>
+    <a:masterClrMapping/>
+  </p:clrMapOvr>
+  <p:timing>
+    <p:tnLst>
+      <p:par>
+        <p:cTn id="1" dur="indefinite" restart="never" nodeType="tmRoot"/>
+      </p:par>
+    </p:tnLst>
+  </p:timing>
+</p:sld>
+</file>
+
+<file path=ppt/slides/slide18.xml><?xml version="1.0" encoding="utf-8"?>
+<p:sld xmlns:a="http://schemas.openxmlformats.org/drawingml/2006/main" xmlns:r="http://schemas.openxmlformats.org/officeDocument/2006/relationships" xmlns:p="http://schemas.openxmlformats.org/presentationml/2006/main">
+  <p:cSld>
+    <p:bg>
+      <p:bgPr>
+        <a:solidFill>
+          <a:schemeClr val="tx1"/>
+        </a:solidFill>
+        <a:effectLst/>
+      </p:bgPr>
+    </p:bg>
+    <p:spTree>
+      <p:nvGrpSpPr>
+        <p:cNvPr id="1" name=""/>
+        <p:cNvGrpSpPr/>
+        <p:nvPr/>
+      </p:nvGrpSpPr>
+      <p:grpSpPr>
+        <a:xfrm>
+          <a:off x="0" y="0"/>
+          <a:ext cx="0" cy="0"/>
+          <a:chOff x="0" y="0"/>
+          <a:chExt cx="0" cy="0"/>
+        </a:xfrm>
+      </p:grpSpPr>
+      <p:sp>
+        <p:nvSpPr>
+          <p:cNvPr id="2" name="Title 1"/>
+          <p:cNvSpPr>
+            <a:spLocks noGrp="1"/>
+          </p:cNvSpPr>
+          <p:nvPr>
+            <p:ph type="title"/>
+          </p:nvPr>
+        </p:nvSpPr>
+        <p:spPr>
+          <a:effectLst>
+            <a:outerShdw blurRad="50800" dist="38100" dir="2700000" algn="tl" rotWithShape="0">
+              <a:prstClr val="black">
+                <a:alpha val="40000"/>
+              </a:prstClr>
+            </a:outerShdw>
+          </a:effectLst>
+        </p:spPr>
+        <p:txBody>
+          <a:bodyPr>
+            <a:normAutofit/>
+          </a:bodyPr>
+          <a:lstStyle/>
+          <a:p>
+            <a:r>
+              <a:rPr lang="de-DE" sz="6600" b="1" dirty="0" smtClean="0">
+                <a:solidFill>
+                  <a:schemeClr val="accent6">
+                    <a:lumMod val="75000"/>
+                  </a:schemeClr>
+                </a:solidFill>
+                <a:effectLst>
+                  <a:outerShdw blurRad="38100" dist="38100" dir="2700000" algn="tl">
+                    <a:srgbClr val="000000">
+                      <a:alpha val="43137"/>
+                    </a:srgbClr>
+                  </a:outerShdw>
+                </a:effectLst>
+              </a:rPr>
+              <a:t>Data-Binding</a:t>
+            </a:r>
+            <a:endParaRPr lang="de-DE" sz="6600" b="1" dirty="0">
+              <a:solidFill>
+                <a:schemeClr val="accent6">
+                  <a:lumMod val="75000"/>
+                </a:schemeClr>
+              </a:solidFill>
+              <a:effectLst>
+                <a:outerShdw blurRad="38100" dist="38100" dir="2700000" algn="tl">
+                  <a:srgbClr val="000000">
+                    <a:alpha val="43137"/>
+                  </a:srgbClr>
+                </a:outerShdw>
+              </a:effectLst>
+            </a:endParaRPr>
+          </a:p>
+        </p:txBody>
+      </p:sp>
+      <p:pic>
+        <p:nvPicPr>
+          <p:cNvPr id="3" name="Picture 2"/>
+          <p:cNvPicPr>
+            <a:picLocks noChangeAspect="1" noChangeArrowheads="1"/>
+          </p:cNvPicPr>
+          <p:nvPr/>
+        </p:nvPicPr>
+        <p:blipFill>
+          <a:blip r:embed="rId2">
+            <a:extLst>
+              <a:ext uri="{28A0092B-C50C-407E-A947-70E740481C1C}">
+                <a14:useLocalDpi xmlns:a14="http://schemas.microsoft.com/office/drawing/2010/main" val="0"/>
+              </a:ext>
+            </a:extLst>
+          </a:blip>
+          <a:srcRect/>
+          <a:stretch>
+            <a:fillRect/>
+          </a:stretch>
+        </p:blipFill>
+        <p:spPr bwMode="auto">
+          <a:xfrm>
+            <a:off x="900113" y="1772816"/>
+            <a:ext cx="7343775" cy="3876675"/>
+          </a:xfrm>
+          <a:prstGeom prst="rect">
+            <a:avLst/>
+          </a:prstGeom>
+          <a:noFill/>
+          <a:ln>
+            <a:noFill/>
+          </a:ln>
+          <a:extLst>
+            <a:ext uri="{909E8E84-426E-40DD-AFC4-6F175D3DCCD1}">
+              <a14:hiddenFill xmlns:a14="http://schemas.microsoft.com/office/drawing/2010/main">
+                <a:solidFill>
+                  <a:schemeClr val="accent1"/>
+                </a:solidFill>
+              </a14:hiddenFill>
+            </a:ext>
+            <a:ext uri="{91240B29-F687-4F45-9708-019B960494DF}">
+              <a14:hiddenLine xmlns:a14="http://schemas.microsoft.com/office/drawing/2010/main" w="9525">
+                <a:solidFill>
+                  <a:schemeClr val="tx1"/>
+                </a:solidFill>
+                <a:miter lim="800000"/>
+                <a:headEnd/>
+                <a:tailEnd/>
+              </a14:hiddenLine>
+            </a:ext>
+          </a:extLst>
+        </p:spPr>
+      </p:pic>
+      <p:sp>
+        <p:nvSpPr>
+          <p:cNvPr id="5" name="Rectangle 4"/>
+          <p:cNvSpPr/>
+          <p:nvPr/>
+        </p:nvSpPr>
+        <p:spPr>
+          <a:xfrm>
+            <a:off x="2627784" y="2444036"/>
+            <a:ext cx="2527260" cy="216024"/>
+          </a:xfrm>
+          <a:prstGeom prst="rect">
+            <a:avLst/>
+          </a:prstGeom>
+          <a:solidFill>
+            <a:schemeClr val="accent6">
+              <a:lumMod val="75000"/>
+              <a:alpha val="50000"/>
+            </a:schemeClr>
+          </a:solidFill>
+          <a:ln>
+            <a:noFill/>
+          </a:ln>
+        </p:spPr>
+        <p:style>
+          <a:lnRef idx="2">
+            <a:schemeClr val="accent1">
+              <a:shade val="50000"/>
+            </a:schemeClr>
+          </a:lnRef>
+          <a:fillRef idx="1">
+            <a:schemeClr val="accent1"/>
+          </a:fillRef>
+          <a:effectRef idx="0">
+            <a:schemeClr val="accent1"/>
+          </a:effectRef>
+          <a:fontRef idx="minor">
+            <a:schemeClr val="lt1"/>
+          </a:fontRef>
+        </p:style>
+        <p:txBody>
+          <a:bodyPr rtlCol="0" anchor="ctr"/>
+          <a:lstStyle/>
+          <a:p>
+            <a:pPr algn="ctr"/>
+            <a:endParaRPr lang="de-DE"/>
+          </a:p>
+        </p:txBody>
+      </p:sp>
+      <p:sp>
+        <p:nvSpPr>
+          <p:cNvPr id="6" name="Rectangle 5"/>
+          <p:cNvSpPr/>
+          <p:nvPr/>
+        </p:nvSpPr>
+        <p:spPr>
+          <a:xfrm>
+            <a:off x="2627784" y="4032984"/>
+            <a:ext cx="2527260" cy="216024"/>
+          </a:xfrm>
+          <a:prstGeom prst="rect">
+            <a:avLst/>
+          </a:prstGeom>
+          <a:solidFill>
+            <a:schemeClr val="accent6">
+              <a:lumMod val="75000"/>
+              <a:alpha val="50000"/>
+            </a:schemeClr>
+          </a:solidFill>
+          <a:ln>
+            <a:noFill/>
+          </a:ln>
+        </p:spPr>
+        <p:style>
+          <a:lnRef idx="2">
+            <a:schemeClr val="accent1">
+              <a:shade val="50000"/>
+            </a:schemeClr>
+          </a:lnRef>
+          <a:fillRef idx="1">
+            <a:schemeClr val="accent1"/>
+          </a:fillRef>
+          <a:effectRef idx="0">
+            <a:schemeClr val="accent1"/>
+          </a:effectRef>
+          <a:fontRef idx="minor">
+            <a:schemeClr val="lt1"/>
+          </a:fontRef>
+        </p:style>
+        <p:txBody>
+          <a:bodyPr rtlCol="0" anchor="ctr"/>
+          <a:lstStyle/>
+          <a:p>
+            <a:pPr algn="ctr"/>
+            <a:endParaRPr lang="de-DE"/>
+          </a:p>
+        </p:txBody>
+      </p:sp>
+      <p:sp>
+        <p:nvSpPr>
+          <p:cNvPr id="7" name="Rectangle 6"/>
+          <p:cNvSpPr/>
+          <p:nvPr/>
+        </p:nvSpPr>
+        <p:spPr>
+          <a:xfrm>
+            <a:off x="3547720" y="3579996"/>
+            <a:ext cx="1263630" cy="216024"/>
+          </a:xfrm>
+          <a:prstGeom prst="rect">
+            <a:avLst/>
+          </a:prstGeom>
+          <a:solidFill>
+            <a:schemeClr val="accent6">
+              <a:lumMod val="75000"/>
+              <a:alpha val="50000"/>
+            </a:schemeClr>
+          </a:solidFill>
+          <a:ln>
+            <a:noFill/>
+          </a:ln>
+        </p:spPr>
+        <p:style>
+          <a:lnRef idx="2">
+            <a:schemeClr val="accent1">
+              <a:shade val="50000"/>
+            </a:schemeClr>
+          </a:lnRef>
+          <a:fillRef idx="1">
+            <a:schemeClr val="accent1"/>
+          </a:fillRef>
+          <a:effectRef idx="0">
+            <a:schemeClr val="accent1"/>
+          </a:effectRef>
+          <a:fontRef idx="minor">
+            <a:schemeClr val="lt1"/>
+          </a:fontRef>
+        </p:style>
+        <p:txBody>
+          <a:bodyPr rtlCol="0" anchor="ctr"/>
+          <a:lstStyle/>
+          <a:p>
+            <a:pPr algn="ctr"/>
+            <a:endParaRPr lang="de-DE"/>
+          </a:p>
+        </p:txBody>
+      </p:sp>
+      <p:sp>
+        <p:nvSpPr>
+          <p:cNvPr id="8" name="Rectangle 7"/>
+          <p:cNvSpPr/>
+          <p:nvPr/>
+        </p:nvSpPr>
+        <p:spPr>
+          <a:xfrm>
+            <a:off x="1631335" y="3803000"/>
+            <a:ext cx="1572513" cy="216024"/>
+          </a:xfrm>
+          <a:prstGeom prst="rect">
+            <a:avLst/>
+          </a:prstGeom>
+          <a:solidFill>
+            <a:schemeClr val="accent6">
+              <a:lumMod val="75000"/>
+              <a:alpha val="50000"/>
+            </a:schemeClr>
+          </a:solidFill>
+          <a:ln>
+            <a:noFill/>
+          </a:ln>
+        </p:spPr>
+        <p:style>
+          <a:lnRef idx="2">
+            <a:schemeClr val="accent1">
+              <a:shade val="50000"/>
+            </a:schemeClr>
+          </a:lnRef>
+          <a:fillRef idx="1">
+            <a:schemeClr val="accent1"/>
+          </a:fillRef>
+          <a:effectRef idx="0">
+            <a:schemeClr val="accent1"/>
+          </a:effectRef>
+          <a:fontRef idx="minor">
+            <a:schemeClr val="lt1"/>
+          </a:fontRef>
+        </p:style>
+        <p:txBody>
+          <a:bodyPr rtlCol="0" anchor="ctr"/>
+          <a:lstStyle/>
+          <a:p>
+            <a:pPr algn="ctr"/>
+            <a:endParaRPr lang="de-DE"/>
+          </a:p>
+        </p:txBody>
+      </p:sp>
+      <p:sp>
+        <p:nvSpPr>
+          <p:cNvPr id="9" name="Rectangle 8"/>
+          <p:cNvSpPr/>
+          <p:nvPr/>
+        </p:nvSpPr>
+        <p:spPr>
+          <a:xfrm>
+            <a:off x="5398988" y="4032984"/>
+            <a:ext cx="2269356" cy="216024"/>
+          </a:xfrm>
+          <a:prstGeom prst="rect">
+            <a:avLst/>
+          </a:prstGeom>
+          <a:solidFill>
+            <a:schemeClr val="accent6">
+              <a:lumMod val="75000"/>
+              <a:alpha val="50000"/>
+            </a:schemeClr>
+          </a:solidFill>
+          <a:ln>
+            <a:noFill/>
+          </a:ln>
+        </p:spPr>
+        <p:style>
+          <a:lnRef idx="2">
+            <a:schemeClr val="accent1">
+              <a:shade val="50000"/>
+            </a:schemeClr>
+          </a:lnRef>
+          <a:fillRef idx="1">
+            <a:schemeClr val="accent1"/>
+          </a:fillRef>
+          <a:effectRef idx="0">
+            <a:schemeClr val="accent1"/>
+          </a:effectRef>
+          <a:fontRef idx="minor">
+            <a:schemeClr val="lt1"/>
+          </a:fontRef>
+        </p:style>
+        <p:txBody>
+          <a:bodyPr rtlCol="0" anchor="ctr"/>
+          <a:lstStyle/>
+          <a:p>
+            <a:pPr algn="ctr"/>
+            <a:endParaRPr lang="de-DE"/>
+          </a:p>
+        </p:txBody>
+      </p:sp>
+      <p:sp>
+        <p:nvSpPr>
+          <p:cNvPr id="10" name="Rectangle 9"/>
+          <p:cNvSpPr/>
+          <p:nvPr/>
+        </p:nvSpPr>
+        <p:spPr>
+          <a:xfrm>
+            <a:off x="1631332" y="4509120"/>
+            <a:ext cx="2847600" cy="216024"/>
+          </a:xfrm>
+          <a:prstGeom prst="rect">
+            <a:avLst/>
+          </a:prstGeom>
+          <a:solidFill>
+            <a:schemeClr val="accent6">
+              <a:lumMod val="75000"/>
+              <a:alpha val="50000"/>
+            </a:schemeClr>
+          </a:solidFill>
+          <a:ln>
+            <a:noFill/>
+          </a:ln>
+        </p:spPr>
+        <p:style>
+          <a:lnRef idx="2">
+            <a:schemeClr val="accent1">
+              <a:shade val="50000"/>
+            </a:schemeClr>
+          </a:lnRef>
+          <a:fillRef idx="1">
+            <a:schemeClr val="accent1"/>
+          </a:fillRef>
+          <a:effectRef idx="0">
+            <a:schemeClr val="accent1"/>
+          </a:effectRef>
+          <a:fontRef idx="minor">
+            <a:schemeClr val="lt1"/>
+          </a:fontRef>
+        </p:style>
+        <p:txBody>
+          <a:bodyPr rtlCol="0" anchor="ctr"/>
+          <a:lstStyle/>
+          <a:p>
+            <a:pPr algn="ctr"/>
+            <a:endParaRPr lang="de-DE"/>
+          </a:p>
+        </p:txBody>
+      </p:sp>
+      <p:sp>
+        <p:nvSpPr>
+          <p:cNvPr id="11" name="Rectangle 10"/>
+          <p:cNvSpPr/>
+          <p:nvPr/>
+        </p:nvSpPr>
+        <p:spPr>
+          <a:xfrm>
+            <a:off x="1631332" y="4746084"/>
+            <a:ext cx="4668859" cy="216024"/>
+          </a:xfrm>
+          <a:prstGeom prst="rect">
+            <a:avLst/>
+          </a:prstGeom>
+          <a:solidFill>
+            <a:schemeClr val="accent6">
+              <a:lumMod val="75000"/>
+              <a:alpha val="50000"/>
+            </a:schemeClr>
+          </a:solidFill>
+          <a:ln>
+            <a:noFill/>
+          </a:ln>
+        </p:spPr>
+        <p:style>
+          <a:lnRef idx="2">
+            <a:schemeClr val="accent1">
+              <a:shade val="50000"/>
+            </a:schemeClr>
+          </a:lnRef>
+          <a:fillRef idx="1">
+            <a:schemeClr val="accent1"/>
+          </a:fillRef>
+          <a:effectRef idx="0">
+            <a:schemeClr val="accent1"/>
+          </a:effectRef>
+          <a:fontRef idx="minor">
+            <a:schemeClr val="lt1"/>
+          </a:fontRef>
+        </p:style>
+        <p:txBody>
+          <a:bodyPr rtlCol="0" anchor="ctr"/>
+          <a:lstStyle/>
+          <a:p>
+            <a:pPr algn="ctr"/>
+            <a:endParaRPr lang="de-DE"/>
+          </a:p>
+        </p:txBody>
+      </p:sp>
+      <p:sp>
+        <p:nvSpPr>
+          <p:cNvPr id="12" name="Rectangle 11"/>
+          <p:cNvSpPr/>
+          <p:nvPr/>
+        </p:nvSpPr>
+        <p:spPr>
+          <a:xfrm>
+            <a:off x="3547720" y="4269948"/>
+            <a:ext cx="1528336" cy="216024"/>
+          </a:xfrm>
+          <a:prstGeom prst="rect">
+            <a:avLst/>
+          </a:prstGeom>
+          <a:solidFill>
+            <a:schemeClr val="accent6">
+              <a:lumMod val="75000"/>
+              <a:alpha val="50000"/>
+            </a:schemeClr>
+          </a:solidFill>
+          <a:ln>
+            <a:noFill/>
+          </a:ln>
+        </p:spPr>
+        <p:style>
+          <a:lnRef idx="2">
+            <a:schemeClr val="accent1">
+              <a:shade val="50000"/>
+            </a:schemeClr>
+          </a:lnRef>
+          <a:fillRef idx="1">
+            <a:schemeClr val="accent1"/>
+          </a:fillRef>
+          <a:effectRef idx="0">
+            <a:schemeClr val="accent1"/>
+          </a:effectRef>
+          <a:fontRef idx="minor">
+            <a:schemeClr val="lt1"/>
+          </a:fontRef>
+        </p:style>
+        <p:txBody>
+          <a:bodyPr rtlCol="0" anchor="ctr"/>
+          <a:lstStyle/>
+          <a:p>
+            <a:pPr algn="ctr"/>
+            <a:endParaRPr lang="de-DE"/>
+          </a:p>
+        </p:txBody>
+      </p:sp>
+    </p:spTree>
+    <p:extLst>
+      <p:ext uri="{BB962C8B-B14F-4D97-AF65-F5344CB8AC3E}">
+        <p14:creationId xmlns:p14="http://schemas.microsoft.com/office/powerpoint/2010/main" val="1672157852"/>
+      </p:ext>
+    </p:extLst>
+  </p:cSld>
+  <p:clrMapOvr>
+    <a:masterClrMapping/>
+  </p:clrMapOvr>
+  <p:timing>
+    <p:tnLst>
+      <p:par>
+        <p:cTn id="1" dur="indefinite" restart="never" nodeType="tmRoot"/>
+      </p:par>
+    </p:tnLst>
+  </p:timing>
+</p:sld>
+</file>
+
+<file path=ppt/slides/slide19.xml><?xml version="1.0" encoding="utf-8"?>
+<p:sld xmlns:a="http://schemas.openxmlformats.org/drawingml/2006/main" xmlns:r="http://schemas.openxmlformats.org/officeDocument/2006/relationships" xmlns:p="http://schemas.openxmlformats.org/presentationml/2006/main">
+  <p:cSld>
+    <p:bg>
+      <p:bgPr>
+        <a:solidFill>
+          <a:schemeClr val="tx1"/>
+        </a:solidFill>
+        <a:effectLst/>
+      </p:bgPr>
+    </p:bg>
+    <p:spTree>
+      <p:nvGrpSpPr>
+        <p:cNvPr id="1" name=""/>
+        <p:cNvGrpSpPr/>
+        <p:nvPr/>
+      </p:nvGrpSpPr>
+      <p:grpSpPr>
+        <a:xfrm>
+          <a:off x="0" y="0"/>
+          <a:ext cx="0" cy="0"/>
+          <a:chOff x="0" y="0"/>
+          <a:chExt cx="0" cy="0"/>
+        </a:xfrm>
+      </p:grpSpPr>
+      <p:sp>
+        <p:nvSpPr>
+          <p:cNvPr id="2" name="Title 1"/>
+          <p:cNvSpPr>
+            <a:spLocks noGrp="1"/>
+          </p:cNvSpPr>
+          <p:nvPr>
+            <p:ph type="title"/>
+          </p:nvPr>
+        </p:nvSpPr>
+        <p:spPr>
+          <a:effectLst>
+            <a:outerShdw blurRad="50800" dist="38100" dir="2700000" algn="tl" rotWithShape="0">
+              <a:prstClr val="black">
+                <a:alpha val="40000"/>
+              </a:prstClr>
+            </a:outerShdw>
+          </a:effectLst>
+        </p:spPr>
+        <p:txBody>
+          <a:bodyPr>
+            <a:normAutofit/>
+          </a:bodyPr>
+          <a:lstStyle/>
+          <a:p>
+            <a:r>
+              <a:rPr lang="de-DE" sz="6600" b="1" dirty="0" smtClean="0">
+                <a:solidFill>
+                  <a:schemeClr val="accent6">
+                    <a:lumMod val="75000"/>
+                  </a:schemeClr>
+                </a:solidFill>
+                <a:effectLst>
+                  <a:outerShdw blurRad="38100" dist="38100" dir="2700000" algn="tl">
+                    <a:srgbClr val="000000">
+                      <a:alpha val="43137"/>
+                    </a:srgbClr>
+                  </a:outerShdw>
+                </a:effectLst>
+              </a:rPr>
+              <a:t>Directives</a:t>
+            </a:r>
+            <a:endParaRPr lang="de-DE" sz="6600" b="1" dirty="0">
+              <a:solidFill>
+                <a:schemeClr val="accent6">
+                  <a:lumMod val="75000"/>
+                </a:schemeClr>
+              </a:solidFill>
+              <a:effectLst>
+                <a:outerShdw blurRad="38100" dist="38100" dir="2700000" algn="tl">
+                  <a:srgbClr val="000000">
+                    <a:alpha val="43137"/>
+                  </a:srgbClr>
+                </a:outerShdw>
+              </a:effectLst>
+            </a:endParaRPr>
+          </a:p>
+        </p:txBody>
+      </p:sp>
+      <p:pic>
+        <p:nvPicPr>
+          <p:cNvPr id="3" name="Picture 2"/>
+          <p:cNvPicPr>
+            <a:picLocks noChangeAspect="1" noChangeArrowheads="1"/>
+          </p:cNvPicPr>
+          <p:nvPr/>
+        </p:nvPicPr>
+        <p:blipFill>
+          <a:blip r:embed="rId2">
+            <a:extLst>
+              <a:ext uri="{28A0092B-C50C-407E-A947-70E740481C1C}">
+                <a14:useLocalDpi xmlns:a14="http://schemas.microsoft.com/office/drawing/2010/main" val="0"/>
+              </a:ext>
+            </a:extLst>
+          </a:blip>
+          <a:srcRect/>
+          <a:stretch>
+            <a:fillRect/>
+          </a:stretch>
+        </p:blipFill>
+        <p:spPr bwMode="auto">
+          <a:xfrm>
+            <a:off x="900113" y="1772816"/>
+            <a:ext cx="7343775" cy="3876675"/>
+          </a:xfrm>
+          <a:prstGeom prst="rect">
+            <a:avLst/>
+          </a:prstGeom>
+          <a:noFill/>
+          <a:ln>
+            <a:noFill/>
+          </a:ln>
+          <a:extLst>
+            <a:ext uri="{909E8E84-426E-40DD-AFC4-6F175D3DCCD1}">
+              <a14:hiddenFill xmlns:a14="http://schemas.microsoft.com/office/drawing/2010/main">
+                <a:solidFill>
+                  <a:schemeClr val="accent1"/>
+                </a:solidFill>
+              </a14:hiddenFill>
+            </a:ext>
+            <a:ext uri="{91240B29-F687-4F45-9708-019B960494DF}">
+              <a14:hiddenLine xmlns:a14="http://schemas.microsoft.com/office/drawing/2010/main" w="9525">
+                <a:solidFill>
+                  <a:schemeClr val="tx1"/>
+                </a:solidFill>
+                <a:miter lim="800000"/>
+                <a:headEnd/>
+                <a:tailEnd/>
+              </a14:hiddenLine>
+            </a:ext>
+          </a:extLst>
+        </p:spPr>
+      </p:pic>
+      <p:sp>
+        <p:nvSpPr>
+          <p:cNvPr id="7" name="Rectangle 6"/>
+          <p:cNvSpPr/>
+          <p:nvPr/>
+        </p:nvSpPr>
+        <p:spPr>
+          <a:xfrm>
+            <a:off x="1598732" y="2441828"/>
+            <a:ext cx="813028" cy="216024"/>
+          </a:xfrm>
+          <a:prstGeom prst="rect">
+            <a:avLst/>
+          </a:prstGeom>
+          <a:solidFill>
+            <a:schemeClr val="accent6">
+              <a:lumMod val="75000"/>
+              <a:alpha val="50000"/>
+            </a:schemeClr>
+          </a:solidFill>
+          <a:ln>
+            <a:noFill/>
+          </a:ln>
+        </p:spPr>
+        <p:style>
+          <a:lnRef idx="2">
+            <a:schemeClr val="accent1">
+              <a:shade val="50000"/>
+            </a:schemeClr>
+          </a:lnRef>
+          <a:fillRef idx="1">
+            <a:schemeClr val="accent1"/>
+          </a:fillRef>
+          <a:effectRef idx="0">
+            <a:schemeClr val="accent1"/>
+          </a:effectRef>
+          <a:fontRef idx="minor">
+            <a:schemeClr val="lt1"/>
+          </a:fontRef>
+        </p:style>
+        <p:txBody>
+          <a:bodyPr rtlCol="0" anchor="ctr"/>
+          <a:lstStyle/>
+          <a:p>
+            <a:pPr algn="ctr"/>
+            <a:endParaRPr lang="de-DE"/>
+          </a:p>
+        </p:txBody>
+      </p:sp>
+      <p:sp>
+        <p:nvSpPr>
+          <p:cNvPr id="13" name="Rectangle 12"/>
+          <p:cNvSpPr/>
+          <p:nvPr/>
+        </p:nvSpPr>
+        <p:spPr>
+          <a:xfrm>
+            <a:off x="1598732" y="4056132"/>
+            <a:ext cx="813028" cy="216024"/>
+          </a:xfrm>
+          <a:prstGeom prst="rect">
+            <a:avLst/>
+          </a:prstGeom>
+          <a:solidFill>
+            <a:schemeClr val="accent6">
+              <a:lumMod val="75000"/>
+              <a:alpha val="50000"/>
+            </a:schemeClr>
+          </a:solidFill>
+          <a:ln>
+            <a:noFill/>
+          </a:ln>
+        </p:spPr>
+        <p:style>
+          <a:lnRef idx="2">
+            <a:schemeClr val="accent1">
+              <a:shade val="50000"/>
+            </a:schemeClr>
+          </a:lnRef>
+          <a:fillRef idx="1">
+            <a:schemeClr val="accent1"/>
+          </a:fillRef>
+          <a:effectRef idx="0">
+            <a:schemeClr val="accent1"/>
+          </a:effectRef>
+          <a:fontRef idx="minor">
+            <a:schemeClr val="lt1"/>
+          </a:fontRef>
+        </p:style>
+        <p:txBody>
+          <a:bodyPr rtlCol="0" anchor="ctr"/>
+          <a:lstStyle/>
+          <a:p>
+            <a:pPr algn="ctr"/>
+            <a:endParaRPr lang="de-DE"/>
+          </a:p>
+        </p:txBody>
+      </p:sp>
+      <p:sp>
+        <p:nvSpPr>
+          <p:cNvPr id="14" name="Rectangle 13"/>
+          <p:cNvSpPr/>
+          <p:nvPr/>
+        </p:nvSpPr>
+        <p:spPr>
+          <a:xfrm>
+            <a:off x="1350792" y="3596161"/>
+            <a:ext cx="1060967" cy="216024"/>
+          </a:xfrm>
+          <a:prstGeom prst="rect">
+            <a:avLst/>
+          </a:prstGeom>
+          <a:solidFill>
+            <a:schemeClr val="accent6">
+              <a:lumMod val="75000"/>
+              <a:alpha val="50000"/>
+            </a:schemeClr>
+          </a:solidFill>
+          <a:ln>
+            <a:noFill/>
+          </a:ln>
+        </p:spPr>
+        <p:style>
+          <a:lnRef idx="2">
+            <a:schemeClr val="accent1">
+              <a:shade val="50000"/>
+            </a:schemeClr>
+          </a:lnRef>
+          <a:fillRef idx="1">
+            <a:schemeClr val="accent1"/>
+          </a:fillRef>
+          <a:effectRef idx="0">
+            <a:schemeClr val="accent1"/>
+          </a:effectRef>
+          <a:fontRef idx="minor">
+            <a:schemeClr val="lt1"/>
+          </a:fontRef>
+        </p:style>
+        <p:txBody>
+          <a:bodyPr rtlCol="0" anchor="ctr"/>
+          <a:lstStyle/>
+          <a:p>
+            <a:pPr algn="ctr"/>
+            <a:endParaRPr lang="de-DE"/>
+          </a:p>
+        </p:txBody>
+      </p:sp>
+      <p:sp>
+        <p:nvSpPr>
+          <p:cNvPr id="15" name="Rectangle 14"/>
+          <p:cNvSpPr/>
+          <p:nvPr/>
+        </p:nvSpPr>
+        <p:spPr>
+          <a:xfrm>
+            <a:off x="2385241" y="4279136"/>
+            <a:ext cx="948664" cy="216024"/>
+          </a:xfrm>
+          <a:prstGeom prst="rect">
+            <a:avLst/>
+          </a:prstGeom>
+          <a:solidFill>
+            <a:schemeClr val="accent6">
+              <a:lumMod val="75000"/>
+              <a:alpha val="50000"/>
+            </a:schemeClr>
+          </a:solidFill>
+          <a:ln>
+            <a:noFill/>
+          </a:ln>
+        </p:spPr>
+        <p:style>
+          <a:lnRef idx="2">
+            <a:schemeClr val="accent1">
+              <a:shade val="50000"/>
+            </a:schemeClr>
+          </a:lnRef>
+          <a:fillRef idx="1">
+            <a:schemeClr val="accent1"/>
+          </a:fillRef>
+          <a:effectRef idx="0">
+            <a:schemeClr val="accent1"/>
+          </a:effectRef>
+          <a:fontRef idx="minor">
+            <a:schemeClr val="lt1"/>
+          </a:fontRef>
+        </p:style>
+        <p:txBody>
+          <a:bodyPr rtlCol="0" anchor="ctr"/>
+          <a:lstStyle/>
+          <a:p>
+            <a:pPr algn="ctr"/>
+            <a:endParaRPr lang="de-DE"/>
+          </a:p>
+        </p:txBody>
+      </p:sp>
+      <p:sp>
+        <p:nvSpPr>
+          <p:cNvPr id="16" name="Rectangle 15"/>
+          <p:cNvSpPr/>
+          <p:nvPr/>
+        </p:nvSpPr>
+        <p:spPr>
+          <a:xfrm>
+            <a:off x="2490748" y="4955128"/>
+            <a:ext cx="948664" cy="216024"/>
+          </a:xfrm>
+          <a:prstGeom prst="rect">
+            <a:avLst/>
+          </a:prstGeom>
+          <a:solidFill>
+            <a:schemeClr val="accent6">
+              <a:lumMod val="75000"/>
+              <a:alpha val="50000"/>
+            </a:schemeClr>
+          </a:solidFill>
+          <a:ln>
+            <a:noFill/>
+          </a:ln>
+        </p:spPr>
+        <p:style>
+          <a:lnRef idx="2">
+            <a:schemeClr val="accent1">
+              <a:shade val="50000"/>
+            </a:schemeClr>
+          </a:lnRef>
+          <a:fillRef idx="1">
+            <a:schemeClr val="accent1"/>
+          </a:fillRef>
+          <a:effectRef idx="0">
+            <a:schemeClr val="accent1"/>
+          </a:effectRef>
+          <a:fontRef idx="minor">
+            <a:schemeClr val="lt1"/>
+          </a:fontRef>
+        </p:style>
+        <p:txBody>
+          <a:bodyPr rtlCol="0" anchor="ctr"/>
+          <a:lstStyle/>
+          <a:p>
+            <a:pPr algn="ctr"/>
+            <a:endParaRPr lang="de-DE"/>
+          </a:p>
+        </p:txBody>
+      </p:sp>
+    </p:spTree>
+    <p:extLst>
+      <p:ext uri="{BB962C8B-B14F-4D97-AF65-F5344CB8AC3E}">
+        <p14:creationId xmlns:p14="http://schemas.microsoft.com/office/powerpoint/2010/main" val="2066895751"/>
+      </p:ext>
+    </p:extLst>
+  </p:cSld>
+  <p:clrMapOvr>
+    <a:masterClrMapping/>
+  </p:clrMapOvr>
+  <p:timing>
+    <p:tnLst>
+      <p:par>
+        <p:cTn id="1" dur="indefinite" restart="never" nodeType="tmRoot"/>
+      </p:par>
+    </p:tnLst>
+  </p:timing>
+</p:sld>
+</file>
+
 <file path=ppt/slides/slide2.xml><?xml version="1.0" encoding="utf-8"?>
 <p:sld xmlns:a="http://schemas.openxmlformats.org/drawingml/2006/main" xmlns:r="http://schemas.openxmlformats.org/officeDocument/2006/relationships" xmlns:p="http://schemas.openxmlformats.org/presentationml/2006/main">
   <p:cSld>
+    <p:bg>
+      <p:bgPr>
+        <a:solidFill>
+          <a:schemeClr val="bg1">
+            <a:lumMod val="75000"/>
+          </a:schemeClr>
+        </a:solidFill>
+        <a:effectLst/>
+      </p:bgPr>
+    </p:bg>
     <p:spTree>
       <p:nvGrpSpPr>
         <p:cNvPr id="1" name=""/>
@@ -3586,6 +7046,1079 @@
 </p:sld>
 </file>
 
+<file path=ppt/slides/slide20.xml><?xml version="1.0" encoding="utf-8"?>
+<p:sld xmlns:a="http://schemas.openxmlformats.org/drawingml/2006/main" xmlns:r="http://schemas.openxmlformats.org/officeDocument/2006/relationships" xmlns:p="http://schemas.openxmlformats.org/presentationml/2006/main">
+  <p:cSld>
+    <p:bg>
+      <p:bgPr>
+        <a:solidFill>
+          <a:schemeClr val="tx1"/>
+        </a:solidFill>
+        <a:effectLst/>
+      </p:bgPr>
+    </p:bg>
+    <p:spTree>
+      <p:nvGrpSpPr>
+        <p:cNvPr id="1" name=""/>
+        <p:cNvGrpSpPr/>
+        <p:nvPr/>
+      </p:nvGrpSpPr>
+      <p:grpSpPr>
+        <a:xfrm>
+          <a:off x="0" y="0"/>
+          <a:ext cx="0" cy="0"/>
+          <a:chOff x="0" y="0"/>
+          <a:chExt cx="0" cy="0"/>
+        </a:xfrm>
+      </p:grpSpPr>
+      <p:sp>
+        <p:nvSpPr>
+          <p:cNvPr id="2" name="Title 1"/>
+          <p:cNvSpPr>
+            <a:spLocks noGrp="1"/>
+          </p:cNvSpPr>
+          <p:nvPr>
+            <p:ph type="title"/>
+          </p:nvPr>
+        </p:nvSpPr>
+        <p:spPr>
+          <a:effectLst>
+            <a:outerShdw blurRad="50800" dist="38100" dir="2700000" algn="tl" rotWithShape="0">
+              <a:prstClr val="black">
+                <a:alpha val="40000"/>
+              </a:prstClr>
+            </a:outerShdw>
+          </a:effectLst>
+        </p:spPr>
+        <p:txBody>
+          <a:bodyPr>
+            <a:normAutofit/>
+          </a:bodyPr>
+          <a:lstStyle/>
+          <a:p>
+            <a:r>
+              <a:rPr lang="de-DE" sz="6600" b="1" dirty="0" smtClean="0">
+                <a:solidFill>
+                  <a:schemeClr val="accent6">
+                    <a:lumMod val="75000"/>
+                  </a:schemeClr>
+                </a:solidFill>
+                <a:effectLst>
+                  <a:outerShdw blurRad="38100" dist="38100" dir="2700000" algn="tl">
+                    <a:srgbClr val="000000">
+                      <a:alpha val="43137"/>
+                    </a:srgbClr>
+                  </a:outerShdw>
+                </a:effectLst>
+              </a:rPr>
+              <a:t>Dependency Injection</a:t>
+            </a:r>
+            <a:endParaRPr lang="de-DE" sz="6600" b="1" dirty="0">
+              <a:solidFill>
+                <a:schemeClr val="accent6">
+                  <a:lumMod val="75000"/>
+                </a:schemeClr>
+              </a:solidFill>
+              <a:effectLst>
+                <a:outerShdw blurRad="38100" dist="38100" dir="2700000" algn="tl">
+                  <a:srgbClr val="000000">
+                    <a:alpha val="43137"/>
+                  </a:srgbClr>
+                </a:outerShdw>
+              </a:effectLst>
+            </a:endParaRPr>
+          </a:p>
+        </p:txBody>
+      </p:sp>
+      <p:grpSp>
+        <p:nvGrpSpPr>
+          <p:cNvPr id="4" name="Group 3"/>
+          <p:cNvGrpSpPr/>
+          <p:nvPr/>
+        </p:nvGrpSpPr>
+        <p:grpSpPr>
+          <a:xfrm>
+            <a:off x="719520" y="2786832"/>
+            <a:ext cx="3629025" cy="266700"/>
+            <a:chOff x="570728" y="2780928"/>
+            <a:chExt cx="3629025" cy="266700"/>
+          </a:xfrm>
+        </p:grpSpPr>
+        <p:pic>
+          <p:nvPicPr>
+            <p:cNvPr id="4098" name="Picture 2"/>
+            <p:cNvPicPr>
+              <a:picLocks noChangeAspect="1" noChangeArrowheads="1"/>
+            </p:cNvPicPr>
+            <p:nvPr/>
+          </p:nvPicPr>
+          <p:blipFill>
+            <a:blip r:embed="rId2">
+              <a:extLst>
+                <a:ext uri="{28A0092B-C50C-407E-A947-70E740481C1C}">
+                  <a14:useLocalDpi xmlns:a14="http://schemas.microsoft.com/office/drawing/2010/main" val="0"/>
+                </a:ext>
+              </a:extLst>
+            </a:blip>
+            <a:srcRect/>
+            <a:stretch>
+              <a:fillRect/>
+            </a:stretch>
+          </p:blipFill>
+          <p:spPr bwMode="auto">
+            <a:xfrm>
+              <a:off x="570728" y="2780928"/>
+              <a:ext cx="3629025" cy="266700"/>
+            </a:xfrm>
+            <a:prstGeom prst="rect">
+              <a:avLst/>
+            </a:prstGeom>
+            <a:noFill/>
+            <a:ln>
+              <a:noFill/>
+            </a:ln>
+            <a:extLst>
+              <a:ext uri="{909E8E84-426E-40DD-AFC4-6F175D3DCCD1}">
+                <a14:hiddenFill xmlns:a14="http://schemas.microsoft.com/office/drawing/2010/main">
+                  <a:solidFill>
+                    <a:schemeClr val="accent1"/>
+                  </a:solidFill>
+                </a14:hiddenFill>
+              </a:ext>
+              <a:ext uri="{91240B29-F687-4F45-9708-019B960494DF}">
+                <a14:hiddenLine xmlns:a14="http://schemas.microsoft.com/office/drawing/2010/main" w="9525">
+                  <a:solidFill>
+                    <a:schemeClr val="tx1"/>
+                  </a:solidFill>
+                  <a:miter lim="800000"/>
+                  <a:headEnd/>
+                  <a:tailEnd/>
+                </a14:hiddenLine>
+              </a:ext>
+            </a:extLst>
+          </p:spPr>
+        </p:pic>
+        <p:sp>
+          <p:nvSpPr>
+            <p:cNvPr id="7" name="Rectangle 6"/>
+            <p:cNvSpPr/>
+            <p:nvPr/>
+          </p:nvSpPr>
+          <p:spPr>
+            <a:xfrm>
+              <a:off x="3324716" y="2806266"/>
+              <a:ext cx="720080" cy="216024"/>
+            </a:xfrm>
+            <a:prstGeom prst="rect">
+              <a:avLst/>
+            </a:prstGeom>
+            <a:solidFill>
+              <a:schemeClr val="accent6">
+                <a:lumMod val="75000"/>
+                <a:alpha val="50000"/>
+              </a:schemeClr>
+            </a:solidFill>
+            <a:ln>
+              <a:noFill/>
+            </a:ln>
+          </p:spPr>
+          <p:style>
+            <a:lnRef idx="2">
+              <a:schemeClr val="accent1">
+                <a:shade val="50000"/>
+              </a:schemeClr>
+            </a:lnRef>
+            <a:fillRef idx="1">
+              <a:schemeClr val="accent1"/>
+            </a:fillRef>
+            <a:effectRef idx="0">
+              <a:schemeClr val="accent1"/>
+            </a:effectRef>
+            <a:fontRef idx="minor">
+              <a:schemeClr val="lt1"/>
+            </a:fontRef>
+          </p:style>
+          <p:txBody>
+            <a:bodyPr rtlCol="0" anchor="ctr"/>
+            <a:lstStyle/>
+            <a:p>
+              <a:pPr algn="ctr"/>
+              <a:endParaRPr lang="de-DE"/>
+            </a:p>
+          </p:txBody>
+        </p:sp>
+      </p:grpSp>
+      <p:grpSp>
+        <p:nvGrpSpPr>
+          <p:cNvPr id="5" name="Group 4"/>
+          <p:cNvGrpSpPr/>
+          <p:nvPr/>
+        </p:nvGrpSpPr>
+        <p:grpSpPr>
+          <a:xfrm>
+            <a:off x="718756" y="3130613"/>
+            <a:ext cx="4429125" cy="257175"/>
+            <a:chOff x="569964" y="3124709"/>
+            <a:chExt cx="4429125" cy="257175"/>
+          </a:xfrm>
+        </p:grpSpPr>
+        <p:pic>
+          <p:nvPicPr>
+            <p:cNvPr id="4099" name="Picture 3"/>
+            <p:cNvPicPr>
+              <a:picLocks noChangeAspect="1" noChangeArrowheads="1"/>
+            </p:cNvPicPr>
+            <p:nvPr/>
+          </p:nvPicPr>
+          <p:blipFill>
+            <a:blip r:embed="rId3">
+              <a:extLst>
+                <a:ext uri="{28A0092B-C50C-407E-A947-70E740481C1C}">
+                  <a14:useLocalDpi xmlns:a14="http://schemas.microsoft.com/office/drawing/2010/main" val="0"/>
+                </a:ext>
+              </a:extLst>
+            </a:blip>
+            <a:srcRect/>
+            <a:stretch>
+              <a:fillRect/>
+            </a:stretch>
+          </p:blipFill>
+          <p:spPr bwMode="auto">
+            <a:xfrm>
+              <a:off x="569964" y="3124709"/>
+              <a:ext cx="4429125" cy="257175"/>
+            </a:xfrm>
+            <a:prstGeom prst="rect">
+              <a:avLst/>
+            </a:prstGeom>
+            <a:noFill/>
+            <a:ln>
+              <a:noFill/>
+            </a:ln>
+            <a:extLst>
+              <a:ext uri="{909E8E84-426E-40DD-AFC4-6F175D3DCCD1}">
+                <a14:hiddenFill xmlns:a14="http://schemas.microsoft.com/office/drawing/2010/main">
+                  <a:solidFill>
+                    <a:schemeClr val="accent1"/>
+                  </a:solidFill>
+                </a14:hiddenFill>
+              </a:ext>
+              <a:ext uri="{91240B29-F687-4F45-9708-019B960494DF}">
+                <a14:hiddenLine xmlns:a14="http://schemas.microsoft.com/office/drawing/2010/main" w="9525">
+                  <a:solidFill>
+                    <a:schemeClr val="tx1"/>
+                  </a:solidFill>
+                  <a:miter lim="800000"/>
+                  <a:headEnd/>
+                  <a:tailEnd/>
+                </a14:hiddenLine>
+              </a:ext>
+            </a:extLst>
+          </p:spPr>
+        </p:pic>
+        <p:sp>
+          <p:nvSpPr>
+            <p:cNvPr id="17" name="Rectangle 16"/>
+            <p:cNvSpPr/>
+            <p:nvPr/>
+          </p:nvSpPr>
+          <p:spPr>
+            <a:xfrm>
+              <a:off x="3324716" y="3145284"/>
+              <a:ext cx="720080" cy="216024"/>
+            </a:xfrm>
+            <a:prstGeom prst="rect">
+              <a:avLst/>
+            </a:prstGeom>
+            <a:solidFill>
+              <a:schemeClr val="accent6">
+                <a:lumMod val="75000"/>
+                <a:alpha val="50000"/>
+              </a:schemeClr>
+            </a:solidFill>
+            <a:ln>
+              <a:noFill/>
+            </a:ln>
+          </p:spPr>
+          <p:style>
+            <a:lnRef idx="2">
+              <a:schemeClr val="accent1">
+                <a:shade val="50000"/>
+              </a:schemeClr>
+            </a:lnRef>
+            <a:fillRef idx="1">
+              <a:schemeClr val="accent1"/>
+            </a:fillRef>
+            <a:effectRef idx="0">
+              <a:schemeClr val="accent1"/>
+            </a:effectRef>
+            <a:fontRef idx="minor">
+              <a:schemeClr val="lt1"/>
+            </a:fontRef>
+          </p:style>
+          <p:txBody>
+            <a:bodyPr rtlCol="0" anchor="ctr"/>
+            <a:lstStyle/>
+            <a:p>
+              <a:pPr algn="ctr"/>
+              <a:endParaRPr lang="de-DE"/>
+            </a:p>
+          </p:txBody>
+        </p:sp>
+        <p:sp>
+          <p:nvSpPr>
+            <p:cNvPr id="20" name="Rectangle 19"/>
+            <p:cNvSpPr/>
+            <p:nvPr/>
+          </p:nvSpPr>
+          <p:spPr>
+            <a:xfrm>
+              <a:off x="4270008" y="3145284"/>
+              <a:ext cx="576064" cy="216024"/>
+            </a:xfrm>
+            <a:prstGeom prst="rect">
+              <a:avLst/>
+            </a:prstGeom>
+            <a:solidFill>
+              <a:schemeClr val="accent6">
+                <a:lumMod val="75000"/>
+                <a:alpha val="50000"/>
+              </a:schemeClr>
+            </a:solidFill>
+            <a:ln>
+              <a:noFill/>
+            </a:ln>
+          </p:spPr>
+          <p:style>
+            <a:lnRef idx="2">
+              <a:schemeClr val="accent1">
+                <a:shade val="50000"/>
+              </a:schemeClr>
+            </a:lnRef>
+            <a:fillRef idx="1">
+              <a:schemeClr val="accent1"/>
+            </a:fillRef>
+            <a:effectRef idx="0">
+              <a:schemeClr val="accent1"/>
+            </a:effectRef>
+            <a:fontRef idx="minor">
+              <a:schemeClr val="lt1"/>
+            </a:fontRef>
+          </p:style>
+          <p:txBody>
+            <a:bodyPr rtlCol="0" anchor="ctr"/>
+            <a:lstStyle/>
+            <a:p>
+              <a:pPr algn="ctr"/>
+              <a:endParaRPr lang="de-DE"/>
+            </a:p>
+          </p:txBody>
+        </p:sp>
+      </p:grpSp>
+      <p:grpSp>
+        <p:nvGrpSpPr>
+          <p:cNvPr id="6" name="Group 5"/>
+          <p:cNvGrpSpPr/>
+          <p:nvPr/>
+        </p:nvGrpSpPr>
+        <p:grpSpPr>
+          <a:xfrm>
+            <a:off x="718755" y="3459701"/>
+            <a:ext cx="5305425" cy="266700"/>
+            <a:chOff x="569963" y="3453797"/>
+            <a:chExt cx="5305425" cy="266700"/>
+          </a:xfrm>
+        </p:grpSpPr>
+        <p:pic>
+          <p:nvPicPr>
+            <p:cNvPr id="4100" name="Picture 4"/>
+            <p:cNvPicPr>
+              <a:picLocks noChangeAspect="1" noChangeArrowheads="1"/>
+            </p:cNvPicPr>
+            <p:nvPr/>
+          </p:nvPicPr>
+          <p:blipFill>
+            <a:blip r:embed="rId4">
+              <a:extLst>
+                <a:ext uri="{28A0092B-C50C-407E-A947-70E740481C1C}">
+                  <a14:useLocalDpi xmlns:a14="http://schemas.microsoft.com/office/drawing/2010/main" val="0"/>
+                </a:ext>
+              </a:extLst>
+            </a:blip>
+            <a:srcRect/>
+            <a:stretch>
+              <a:fillRect/>
+            </a:stretch>
+          </p:blipFill>
+          <p:spPr bwMode="auto">
+            <a:xfrm>
+              <a:off x="569963" y="3453797"/>
+              <a:ext cx="5305425" cy="266700"/>
+            </a:xfrm>
+            <a:prstGeom prst="rect">
+              <a:avLst/>
+            </a:prstGeom>
+            <a:noFill/>
+            <a:ln>
+              <a:noFill/>
+            </a:ln>
+            <a:extLst>
+              <a:ext uri="{909E8E84-426E-40DD-AFC4-6F175D3DCCD1}">
+                <a14:hiddenFill xmlns:a14="http://schemas.microsoft.com/office/drawing/2010/main">
+                  <a:solidFill>
+                    <a:schemeClr val="accent1"/>
+                  </a:solidFill>
+                </a14:hiddenFill>
+              </a:ext>
+              <a:ext uri="{91240B29-F687-4F45-9708-019B960494DF}">
+                <a14:hiddenLine xmlns:a14="http://schemas.microsoft.com/office/drawing/2010/main" w="9525">
+                  <a:solidFill>
+                    <a:schemeClr val="tx1"/>
+                  </a:solidFill>
+                  <a:miter lim="800000"/>
+                  <a:headEnd/>
+                  <a:tailEnd/>
+                </a14:hiddenLine>
+              </a:ext>
+            </a:extLst>
+          </p:spPr>
+        </p:pic>
+        <p:sp>
+          <p:nvSpPr>
+            <p:cNvPr id="18" name="Rectangle 17"/>
+            <p:cNvSpPr/>
+            <p:nvPr/>
+          </p:nvSpPr>
+          <p:spPr>
+            <a:xfrm>
+              <a:off x="3324716" y="3479135"/>
+              <a:ext cx="720080" cy="216024"/>
+            </a:xfrm>
+            <a:prstGeom prst="rect">
+              <a:avLst/>
+            </a:prstGeom>
+            <a:solidFill>
+              <a:schemeClr val="accent6">
+                <a:lumMod val="75000"/>
+                <a:alpha val="50000"/>
+              </a:schemeClr>
+            </a:solidFill>
+            <a:ln>
+              <a:noFill/>
+            </a:ln>
+          </p:spPr>
+          <p:style>
+            <a:lnRef idx="2">
+              <a:schemeClr val="accent1">
+                <a:shade val="50000"/>
+              </a:schemeClr>
+            </a:lnRef>
+            <a:fillRef idx="1">
+              <a:schemeClr val="accent1"/>
+            </a:fillRef>
+            <a:effectRef idx="0">
+              <a:schemeClr val="accent1"/>
+            </a:effectRef>
+            <a:fontRef idx="minor">
+              <a:schemeClr val="lt1"/>
+            </a:fontRef>
+          </p:style>
+          <p:txBody>
+            <a:bodyPr rtlCol="0" anchor="ctr"/>
+            <a:lstStyle/>
+            <a:p>
+              <a:pPr algn="ctr"/>
+              <a:endParaRPr lang="de-DE"/>
+            </a:p>
+          </p:txBody>
+        </p:sp>
+        <p:sp>
+          <p:nvSpPr>
+            <p:cNvPr id="21" name="Rectangle 20"/>
+            <p:cNvSpPr/>
+            <p:nvPr/>
+          </p:nvSpPr>
+          <p:spPr>
+            <a:xfrm>
+              <a:off x="4270008" y="3479135"/>
+              <a:ext cx="576064" cy="216024"/>
+            </a:xfrm>
+            <a:prstGeom prst="rect">
+              <a:avLst/>
+            </a:prstGeom>
+            <a:solidFill>
+              <a:schemeClr val="accent6">
+                <a:lumMod val="75000"/>
+                <a:alpha val="50000"/>
+              </a:schemeClr>
+            </a:solidFill>
+            <a:ln>
+              <a:noFill/>
+            </a:ln>
+          </p:spPr>
+          <p:style>
+            <a:lnRef idx="2">
+              <a:schemeClr val="accent1">
+                <a:shade val="50000"/>
+              </a:schemeClr>
+            </a:lnRef>
+            <a:fillRef idx="1">
+              <a:schemeClr val="accent1"/>
+            </a:fillRef>
+            <a:effectRef idx="0">
+              <a:schemeClr val="accent1"/>
+            </a:effectRef>
+            <a:fontRef idx="minor">
+              <a:schemeClr val="lt1"/>
+            </a:fontRef>
+          </p:style>
+          <p:txBody>
+            <a:bodyPr rtlCol="0" anchor="ctr"/>
+            <a:lstStyle/>
+            <a:p>
+              <a:pPr algn="ctr"/>
+              <a:endParaRPr lang="de-DE"/>
+            </a:p>
+          </p:txBody>
+        </p:sp>
+        <p:sp>
+          <p:nvSpPr>
+            <p:cNvPr id="23" name="Rectangle 22"/>
+            <p:cNvSpPr/>
+            <p:nvPr/>
+          </p:nvSpPr>
+          <p:spPr>
+            <a:xfrm>
+              <a:off x="5037278" y="3479135"/>
+              <a:ext cx="720080" cy="216024"/>
+            </a:xfrm>
+            <a:prstGeom prst="rect">
+              <a:avLst/>
+            </a:prstGeom>
+            <a:solidFill>
+              <a:schemeClr val="accent6">
+                <a:lumMod val="75000"/>
+                <a:alpha val="50000"/>
+              </a:schemeClr>
+            </a:solidFill>
+            <a:ln>
+              <a:noFill/>
+            </a:ln>
+          </p:spPr>
+          <p:style>
+            <a:lnRef idx="2">
+              <a:schemeClr val="accent1">
+                <a:shade val="50000"/>
+              </a:schemeClr>
+            </a:lnRef>
+            <a:fillRef idx="1">
+              <a:schemeClr val="accent1"/>
+            </a:fillRef>
+            <a:effectRef idx="0">
+              <a:schemeClr val="accent1"/>
+            </a:effectRef>
+            <a:fontRef idx="minor">
+              <a:schemeClr val="lt1"/>
+            </a:fontRef>
+          </p:style>
+          <p:txBody>
+            <a:bodyPr rtlCol="0" anchor="ctr"/>
+            <a:lstStyle/>
+            <a:p>
+              <a:pPr algn="ctr"/>
+              <a:endParaRPr lang="de-DE"/>
+            </a:p>
+          </p:txBody>
+        </p:sp>
+      </p:grpSp>
+      <p:grpSp>
+        <p:nvGrpSpPr>
+          <p:cNvPr id="10" name="Group 9"/>
+          <p:cNvGrpSpPr/>
+          <p:nvPr/>
+        </p:nvGrpSpPr>
+        <p:grpSpPr>
+          <a:xfrm>
+            <a:off x="719520" y="3789040"/>
+            <a:ext cx="7791450" cy="257175"/>
+            <a:chOff x="718755" y="4149080"/>
+            <a:chExt cx="7791450" cy="257175"/>
+          </a:xfrm>
+        </p:grpSpPr>
+        <p:pic>
+          <p:nvPicPr>
+            <p:cNvPr id="4102" name="Picture 6"/>
+            <p:cNvPicPr>
+              <a:picLocks noChangeAspect="1" noChangeArrowheads="1"/>
+            </p:cNvPicPr>
+            <p:nvPr/>
+          </p:nvPicPr>
+          <p:blipFill>
+            <a:blip r:embed="rId5">
+              <a:extLst>
+                <a:ext uri="{28A0092B-C50C-407E-A947-70E740481C1C}">
+                  <a14:useLocalDpi xmlns:a14="http://schemas.microsoft.com/office/drawing/2010/main" val="0"/>
+                </a:ext>
+              </a:extLst>
+            </a:blip>
+            <a:srcRect/>
+            <a:stretch>
+              <a:fillRect/>
+            </a:stretch>
+          </p:blipFill>
+          <p:spPr bwMode="auto">
+            <a:xfrm>
+              <a:off x="718755" y="4149080"/>
+              <a:ext cx="7791450" cy="257175"/>
+            </a:xfrm>
+            <a:prstGeom prst="rect">
+              <a:avLst/>
+            </a:prstGeom>
+            <a:noFill/>
+            <a:ln>
+              <a:noFill/>
+            </a:ln>
+            <a:extLst>
+              <a:ext uri="{909E8E84-426E-40DD-AFC4-6F175D3DCCD1}">
+                <a14:hiddenFill xmlns:a14="http://schemas.microsoft.com/office/drawing/2010/main">
+                  <a:solidFill>
+                    <a:schemeClr val="accent1"/>
+                  </a:solidFill>
+                </a14:hiddenFill>
+              </a:ext>
+              <a:ext uri="{91240B29-F687-4F45-9708-019B960494DF}">
+                <a14:hiddenLine xmlns:a14="http://schemas.microsoft.com/office/drawing/2010/main" w="9525">
+                  <a:solidFill>
+                    <a:schemeClr val="tx1"/>
+                  </a:solidFill>
+                  <a:miter lim="800000"/>
+                  <a:headEnd/>
+                  <a:tailEnd/>
+                </a14:hiddenLine>
+              </a:ext>
+            </a:extLst>
+          </p:spPr>
+        </p:pic>
+        <p:sp>
+          <p:nvSpPr>
+            <p:cNvPr id="19" name="Rectangle 18"/>
+            <p:cNvSpPr/>
+            <p:nvPr/>
+          </p:nvSpPr>
+          <p:spPr>
+            <a:xfrm>
+              <a:off x="3473508" y="4169655"/>
+              <a:ext cx="720080" cy="216024"/>
+            </a:xfrm>
+            <a:prstGeom prst="rect">
+              <a:avLst/>
+            </a:prstGeom>
+            <a:solidFill>
+              <a:schemeClr val="accent6">
+                <a:lumMod val="75000"/>
+                <a:alpha val="50000"/>
+              </a:schemeClr>
+            </a:solidFill>
+            <a:ln>
+              <a:noFill/>
+            </a:ln>
+          </p:spPr>
+          <p:style>
+            <a:lnRef idx="2">
+              <a:schemeClr val="accent1">
+                <a:shade val="50000"/>
+              </a:schemeClr>
+            </a:lnRef>
+            <a:fillRef idx="1">
+              <a:schemeClr val="accent1"/>
+            </a:fillRef>
+            <a:effectRef idx="0">
+              <a:schemeClr val="accent1"/>
+            </a:effectRef>
+            <a:fontRef idx="minor">
+              <a:schemeClr val="lt1"/>
+            </a:fontRef>
+          </p:style>
+          <p:txBody>
+            <a:bodyPr rtlCol="0" anchor="ctr"/>
+            <a:lstStyle/>
+            <a:p>
+              <a:pPr algn="ctr"/>
+              <a:endParaRPr lang="de-DE"/>
+            </a:p>
+          </p:txBody>
+        </p:sp>
+        <p:sp>
+          <p:nvSpPr>
+            <p:cNvPr id="22" name="Rectangle 21"/>
+            <p:cNvSpPr/>
+            <p:nvPr/>
+          </p:nvSpPr>
+          <p:spPr>
+            <a:xfrm>
+              <a:off x="4418800" y="4169655"/>
+              <a:ext cx="576064" cy="216024"/>
+            </a:xfrm>
+            <a:prstGeom prst="rect">
+              <a:avLst/>
+            </a:prstGeom>
+            <a:solidFill>
+              <a:schemeClr val="accent6">
+                <a:lumMod val="75000"/>
+                <a:alpha val="50000"/>
+              </a:schemeClr>
+            </a:solidFill>
+            <a:ln>
+              <a:noFill/>
+            </a:ln>
+          </p:spPr>
+          <p:style>
+            <a:lnRef idx="2">
+              <a:schemeClr val="accent1">
+                <a:shade val="50000"/>
+              </a:schemeClr>
+            </a:lnRef>
+            <a:fillRef idx="1">
+              <a:schemeClr val="accent1"/>
+            </a:fillRef>
+            <a:effectRef idx="0">
+              <a:schemeClr val="accent1"/>
+            </a:effectRef>
+            <a:fontRef idx="minor">
+              <a:schemeClr val="lt1"/>
+            </a:fontRef>
+          </p:style>
+          <p:txBody>
+            <a:bodyPr rtlCol="0" anchor="ctr"/>
+            <a:lstStyle/>
+            <a:p>
+              <a:pPr algn="ctr"/>
+              <a:endParaRPr lang="de-DE"/>
+            </a:p>
+          </p:txBody>
+        </p:sp>
+        <p:sp>
+          <p:nvSpPr>
+            <p:cNvPr id="24" name="Rectangle 23"/>
+            <p:cNvSpPr/>
+            <p:nvPr/>
+          </p:nvSpPr>
+          <p:spPr>
+            <a:xfrm>
+              <a:off x="5186070" y="4160860"/>
+              <a:ext cx="720080" cy="216024"/>
+            </a:xfrm>
+            <a:prstGeom prst="rect">
+              <a:avLst/>
+            </a:prstGeom>
+            <a:solidFill>
+              <a:schemeClr val="accent6">
+                <a:lumMod val="75000"/>
+                <a:alpha val="50000"/>
+              </a:schemeClr>
+            </a:solidFill>
+            <a:ln>
+              <a:noFill/>
+            </a:ln>
+          </p:spPr>
+          <p:style>
+            <a:lnRef idx="2">
+              <a:schemeClr val="accent1">
+                <a:shade val="50000"/>
+              </a:schemeClr>
+            </a:lnRef>
+            <a:fillRef idx="1">
+              <a:schemeClr val="accent1"/>
+            </a:fillRef>
+            <a:effectRef idx="0">
+              <a:schemeClr val="accent1"/>
+            </a:effectRef>
+            <a:fontRef idx="minor">
+              <a:schemeClr val="lt1"/>
+            </a:fontRef>
+          </p:style>
+          <p:txBody>
+            <a:bodyPr rtlCol="0" anchor="ctr"/>
+            <a:lstStyle/>
+            <a:p>
+              <a:pPr algn="ctr"/>
+              <a:endParaRPr lang="de-DE"/>
+            </a:p>
+          </p:txBody>
+        </p:sp>
+        <p:sp>
+          <p:nvSpPr>
+            <p:cNvPr id="25" name="Rectangle 24"/>
+            <p:cNvSpPr/>
+            <p:nvPr/>
+          </p:nvSpPr>
+          <p:spPr>
+            <a:xfrm>
+              <a:off x="6093947" y="4160860"/>
+              <a:ext cx="2331297" cy="216024"/>
+            </a:xfrm>
+            <a:prstGeom prst="rect">
+              <a:avLst/>
+            </a:prstGeom>
+            <a:solidFill>
+              <a:schemeClr val="accent6">
+                <a:lumMod val="75000"/>
+                <a:alpha val="50000"/>
+              </a:schemeClr>
+            </a:solidFill>
+            <a:ln>
+              <a:noFill/>
+            </a:ln>
+          </p:spPr>
+          <p:style>
+            <a:lnRef idx="2">
+              <a:schemeClr val="accent1">
+                <a:shade val="50000"/>
+              </a:schemeClr>
+            </a:lnRef>
+            <a:fillRef idx="1">
+              <a:schemeClr val="accent1"/>
+            </a:fillRef>
+            <a:effectRef idx="0">
+              <a:schemeClr val="accent1"/>
+            </a:effectRef>
+            <a:fontRef idx="minor">
+              <a:schemeClr val="lt1"/>
+            </a:fontRef>
+          </p:style>
+          <p:txBody>
+            <a:bodyPr rtlCol="0" anchor="ctr"/>
+            <a:lstStyle/>
+            <a:p>
+              <a:pPr algn="ctr"/>
+              <a:endParaRPr lang="de-DE"/>
+            </a:p>
+          </p:txBody>
+        </p:sp>
+      </p:grpSp>
+    </p:spTree>
+    <p:extLst>
+      <p:ext uri="{BB962C8B-B14F-4D97-AF65-F5344CB8AC3E}">
+        <p14:creationId xmlns:p14="http://schemas.microsoft.com/office/powerpoint/2010/main" val="2402248964"/>
+      </p:ext>
+    </p:extLst>
+  </p:cSld>
+  <p:clrMapOvr>
+    <a:masterClrMapping/>
+  </p:clrMapOvr>
+  <p:timing>
+    <p:tnLst>
+      <p:par>
+        <p:cTn id="1" dur="indefinite" restart="never" nodeType="tmRoot">
+          <p:childTnLst>
+            <p:seq concurrent="1" nextAc="seek">
+              <p:cTn id="2" dur="indefinite" nodeType="mainSeq">
+                <p:childTnLst>
+                  <p:par>
+                    <p:cTn id="3" fill="hold">
+                      <p:stCondLst>
+                        <p:cond delay="indefinite"/>
+                      </p:stCondLst>
+                      <p:childTnLst>
+                        <p:par>
+                          <p:cTn id="4" fill="hold">
+                            <p:stCondLst>
+                              <p:cond delay="0"/>
+                            </p:stCondLst>
+                            <p:childTnLst>
+                              <p:par>
+                                <p:cTn id="5" presetID="1" presetClass="entr" presetSubtype="0" fill="hold" nodeType="clickEffect">
+                                  <p:stCondLst>
+                                    <p:cond delay="0"/>
+                                  </p:stCondLst>
+                                  <p:childTnLst>
+                                    <p:set>
+                                      <p:cBhvr>
+                                        <p:cTn id="6" dur="1" fill="hold">
+                                          <p:stCondLst>
+                                            <p:cond delay="0"/>
+                                          </p:stCondLst>
+                                        </p:cTn>
+                                        <p:tgtEl>
+                                          <p:spTgt spid="4"/>
+                                        </p:tgtEl>
+                                        <p:attrNameLst>
+                                          <p:attrName>style.visibility</p:attrName>
+                                        </p:attrNameLst>
+                                      </p:cBhvr>
+                                      <p:to>
+                                        <p:strVal val="visible"/>
+                                      </p:to>
+                                    </p:set>
+                                  </p:childTnLst>
+                                </p:cTn>
+                              </p:par>
+                            </p:childTnLst>
+                          </p:cTn>
+                        </p:par>
+                      </p:childTnLst>
+                    </p:cTn>
+                  </p:par>
+                  <p:par>
+                    <p:cTn id="7" fill="hold">
+                      <p:stCondLst>
+                        <p:cond delay="indefinite"/>
+                      </p:stCondLst>
+                      <p:childTnLst>
+                        <p:par>
+                          <p:cTn id="8" fill="hold">
+                            <p:stCondLst>
+                              <p:cond delay="0"/>
+                            </p:stCondLst>
+                            <p:childTnLst>
+                              <p:par>
+                                <p:cTn id="9" presetID="1" presetClass="entr" presetSubtype="0" fill="hold" nodeType="clickEffect">
+                                  <p:stCondLst>
+                                    <p:cond delay="0"/>
+                                  </p:stCondLst>
+                                  <p:childTnLst>
+                                    <p:set>
+                                      <p:cBhvr>
+                                        <p:cTn id="10" dur="1" fill="hold">
+                                          <p:stCondLst>
+                                            <p:cond delay="0"/>
+                                          </p:stCondLst>
+                                        </p:cTn>
+                                        <p:tgtEl>
+                                          <p:spTgt spid="5"/>
+                                        </p:tgtEl>
+                                        <p:attrNameLst>
+                                          <p:attrName>style.visibility</p:attrName>
+                                        </p:attrNameLst>
+                                      </p:cBhvr>
+                                      <p:to>
+                                        <p:strVal val="visible"/>
+                                      </p:to>
+                                    </p:set>
+                                  </p:childTnLst>
+                                </p:cTn>
+                              </p:par>
+                            </p:childTnLst>
+                          </p:cTn>
+                        </p:par>
+                      </p:childTnLst>
+                    </p:cTn>
+                  </p:par>
+                  <p:par>
+                    <p:cTn id="11" fill="hold">
+                      <p:stCondLst>
+                        <p:cond delay="indefinite"/>
+                      </p:stCondLst>
+                      <p:childTnLst>
+                        <p:par>
+                          <p:cTn id="12" fill="hold">
+                            <p:stCondLst>
+                              <p:cond delay="0"/>
+                            </p:stCondLst>
+                            <p:childTnLst>
+                              <p:par>
+                                <p:cTn id="13" presetID="1" presetClass="entr" presetSubtype="0" fill="hold" nodeType="clickEffect">
+                                  <p:stCondLst>
+                                    <p:cond delay="0"/>
+                                  </p:stCondLst>
+                                  <p:childTnLst>
+                                    <p:set>
+                                      <p:cBhvr>
+                                        <p:cTn id="14" dur="1" fill="hold">
+                                          <p:stCondLst>
+                                            <p:cond delay="0"/>
+                                          </p:stCondLst>
+                                        </p:cTn>
+                                        <p:tgtEl>
+                                          <p:spTgt spid="6"/>
+                                        </p:tgtEl>
+                                        <p:attrNameLst>
+                                          <p:attrName>style.visibility</p:attrName>
+                                        </p:attrNameLst>
+                                      </p:cBhvr>
+                                      <p:to>
+                                        <p:strVal val="visible"/>
+                                      </p:to>
+                                    </p:set>
+                                  </p:childTnLst>
+                                </p:cTn>
+                              </p:par>
+                            </p:childTnLst>
+                          </p:cTn>
+                        </p:par>
+                      </p:childTnLst>
+                    </p:cTn>
+                  </p:par>
+                  <p:par>
+                    <p:cTn id="15" fill="hold">
+                      <p:stCondLst>
+                        <p:cond delay="indefinite"/>
+                      </p:stCondLst>
+                      <p:childTnLst>
+                        <p:par>
+                          <p:cTn id="16" fill="hold">
+                            <p:stCondLst>
+                              <p:cond delay="0"/>
+                            </p:stCondLst>
+                            <p:childTnLst>
+                              <p:par>
+                                <p:cTn id="17" presetID="1" presetClass="entr" presetSubtype="0" fill="hold" nodeType="clickEffect">
+                                  <p:stCondLst>
+                                    <p:cond delay="0"/>
+                                  </p:stCondLst>
+                                  <p:childTnLst>
+                                    <p:set>
+                                      <p:cBhvr>
+                                        <p:cTn id="18" dur="1" fill="hold">
+                                          <p:stCondLst>
+                                            <p:cond delay="0"/>
+                                          </p:stCondLst>
+                                        </p:cTn>
+                                        <p:tgtEl>
+                                          <p:spTgt spid="10"/>
+                                        </p:tgtEl>
+                                        <p:attrNameLst>
+                                          <p:attrName>style.visibility</p:attrName>
+                                        </p:attrNameLst>
+                                      </p:cBhvr>
+                                      <p:to>
+                                        <p:strVal val="visible"/>
+                                      </p:to>
+                                    </p:set>
+                                  </p:childTnLst>
+                                </p:cTn>
+                              </p:par>
+                            </p:childTnLst>
+                          </p:cTn>
+                        </p:par>
+                      </p:childTnLst>
+                    </p:cTn>
+                  </p:par>
+                </p:childTnLst>
+              </p:cTn>
+              <p:prevCondLst>
+                <p:cond evt="onPrev" delay="0">
+                  <p:tgtEl>
+                    <p:sldTgt/>
+                  </p:tgtEl>
+                </p:cond>
+              </p:prevCondLst>
+              <p:nextCondLst>
+                <p:cond evt="onNext" delay="0">
+                  <p:tgtEl>
+                    <p:sldTgt/>
+                  </p:tgtEl>
+                </p:cond>
+              </p:nextCondLst>
+            </p:seq>
+          </p:childTnLst>
+        </p:cTn>
+      </p:par>
+    </p:tnLst>
+  </p:timing>
+</p:sld>
+</file>
+
 <file path=ppt/slides/slide3.xml><?xml version="1.0" encoding="utf-8"?>
 <p:sld xmlns:a="http://schemas.openxmlformats.org/drawingml/2006/main" xmlns:r="http://schemas.openxmlformats.org/officeDocument/2006/relationships" xmlns:p="http://schemas.openxmlformats.org/presentationml/2006/main">
   <p:cSld>
@@ -3725,6 +8258,16 @@
 <file path=ppt/slides/slide4.xml><?xml version="1.0" encoding="utf-8"?>
 <p:sld xmlns:a="http://schemas.openxmlformats.org/drawingml/2006/main" xmlns:r="http://schemas.openxmlformats.org/officeDocument/2006/relationships" xmlns:p="http://schemas.openxmlformats.org/presentationml/2006/main">
   <p:cSld>
+    <p:bg>
+      <p:bgPr>
+        <a:solidFill>
+          <a:schemeClr val="bg1">
+            <a:lumMod val="85000"/>
+          </a:schemeClr>
+        </a:solidFill>
+        <a:effectLst/>
+      </p:bgPr>
+    </p:bg>
     <p:spTree>
       <p:nvGrpSpPr>
         <p:cNvPr id="1" name=""/>
@@ -4486,7 +9029,7 @@
         <p:spPr>
           <a:xfrm>
             <a:off x="154361" y="980728"/>
-            <a:ext cx="3004349" cy="3139321"/>
+            <a:ext cx="3217547" cy="3139321"/>
           </a:xfrm>
           <a:prstGeom prst="rect">
             <a:avLst/>
@@ -4625,7 +9168,7 @@
                   </a:outerShdw>
                 </a:effectLst>
               </a:rPr>
-              <a:t>pplication</a:t>
+              <a:t>pplications</a:t>
             </a:r>
             <a:endParaRPr lang="de-DE" sz="4000" b="1" dirty="0">
               <a:solidFill>
@@ -4846,11 +9389,11 @@
   <p:clrMapOvr>
     <a:masterClrMapping/>
   </p:clrMapOvr>
-  <mc:AlternateContent xmlns:mc="http://schemas.openxmlformats.org/markup-compatibility/2006">
-    <mc:Choice xmlns:p14="http://schemas.microsoft.com/office/powerpoint/2010/main" Requires="p14">
+  <mc:AlternateContent xmlns:mc="http://schemas.openxmlformats.org/markup-compatibility/2006" xmlns:p14="http://schemas.microsoft.com/office/powerpoint/2010/main">
+    <mc:Choice Requires="p14">
       <p:transition p14:dur="10"/>
     </mc:Choice>
-    <mc:Fallback>
+    <mc:Fallback xmlns="">
       <p:transition/>
     </mc:Fallback>
   </mc:AlternateContent>
@@ -5199,12 +9742,12 @@
                   </a:outerShdw>
                 </a:effectLst>
               </a:rPr>
-              <a:t>Dependency Injection</a:t>
-            </a:r>
-          </a:p>
-          <a:p>
-            <a:r>
-              <a:rPr lang="de-DE" b="1" dirty="0" smtClean="0">
+              <a:t>Directives</a:t>
+            </a:r>
+          </a:p>
+          <a:p>
+            <a:r>
+              <a:rPr lang="de-DE" b="1" dirty="0">
                 <a:solidFill>
                   <a:schemeClr val="accent6">
                     <a:lumMod val="75000"/>
@@ -5218,7 +9761,7 @@
                   </a:outerShdw>
                 </a:effectLst>
               </a:rPr>
-              <a:t>Directives</a:t>
+              <a:t>Dependency Injection</a:t>
             </a:r>
             <a:endParaRPr lang="de-DE" b="1" dirty="0">
               <a:solidFill>
@@ -5524,6 +10067,470 @@
     <p:bldLst>
       <p:bldP spid="3" grpId="0" build="p"/>
     </p:bldLst>
+  </p:timing>
+</p:sld>
+</file>
+
+<file path=ppt/slides/slide8.xml><?xml version="1.0" encoding="utf-8"?>
+<p:sld xmlns:a="http://schemas.openxmlformats.org/drawingml/2006/main" xmlns:r="http://schemas.openxmlformats.org/officeDocument/2006/relationships" xmlns:p="http://schemas.openxmlformats.org/presentationml/2006/main">
+  <p:cSld>
+    <p:bg>
+      <p:bgPr>
+        <a:solidFill>
+          <a:schemeClr val="bg1">
+            <a:lumMod val="75000"/>
+          </a:schemeClr>
+        </a:solidFill>
+        <a:effectLst/>
+      </p:bgPr>
+    </p:bg>
+    <p:spTree>
+      <p:nvGrpSpPr>
+        <p:cNvPr id="1" name=""/>
+        <p:cNvGrpSpPr/>
+        <p:nvPr/>
+      </p:nvGrpSpPr>
+      <p:grpSpPr>
+        <a:xfrm>
+          <a:off x="0" y="0"/>
+          <a:ext cx="0" cy="0"/>
+          <a:chOff x="0" y="0"/>
+          <a:chExt cx="0" cy="0"/>
+        </a:xfrm>
+      </p:grpSpPr>
+      <p:sp>
+        <p:nvSpPr>
+          <p:cNvPr id="2" name="Title 1"/>
+          <p:cNvSpPr txBox="1">
+            <a:spLocks/>
+          </p:cNvSpPr>
+          <p:nvPr/>
+        </p:nvSpPr>
+        <p:spPr>
+          <a:xfrm>
+            <a:off x="457200" y="274638"/>
+            <a:ext cx="8229600" cy="1143000"/>
+          </a:xfrm>
+          <a:prstGeom prst="rect">
+            <a:avLst/>
+          </a:prstGeom>
+          <a:effectLst>
+            <a:outerShdw blurRad="50800" dist="38100" dir="2700000" algn="tl" rotWithShape="0">
+              <a:prstClr val="black">
+                <a:alpha val="40000"/>
+              </a:prstClr>
+            </a:outerShdw>
+          </a:effectLst>
+        </p:spPr>
+        <p:txBody>
+          <a:bodyPr>
+            <a:normAutofit/>
+          </a:bodyPr>
+          <a:lstStyle>
+            <a:lvl1pPr algn="ctr" defTabSz="914400" rtl="0" eaLnBrk="1" latinLnBrk="0" hangingPunct="1">
+              <a:spcBef>
+                <a:spcPct val="0"/>
+              </a:spcBef>
+              <a:buNone/>
+              <a:defRPr sz="4400" kern="1200">
+                <a:solidFill>
+                  <a:schemeClr val="tx1"/>
+                </a:solidFill>
+                <a:latin typeface="+mj-lt"/>
+                <a:ea typeface="+mj-ea"/>
+                <a:cs typeface="+mj-cs"/>
+              </a:defRPr>
+            </a:lvl1pPr>
+          </a:lstStyle>
+          <a:p>
+            <a:r>
+              <a:rPr lang="de-DE" sz="6600" b="1" dirty="0" smtClean="0">
+                <a:solidFill>
+                  <a:schemeClr val="accent6">
+                    <a:lumMod val="75000"/>
+                  </a:schemeClr>
+                </a:solidFill>
+                <a:effectLst>
+                  <a:outerShdw blurRad="38100" dist="38100" dir="2700000" algn="tl">
+                    <a:srgbClr val="000000">
+                      <a:alpha val="43137"/>
+                    </a:srgbClr>
+                  </a:outerShdw>
+                </a:effectLst>
+              </a:rPr>
+              <a:t>Example</a:t>
+            </a:r>
+            <a:endParaRPr lang="de-DE" sz="6600" b="1" dirty="0">
+              <a:solidFill>
+                <a:schemeClr val="accent6">
+                  <a:lumMod val="75000"/>
+                </a:schemeClr>
+              </a:solidFill>
+              <a:effectLst>
+                <a:outerShdw blurRad="38100" dist="38100" dir="2700000" algn="tl">
+                  <a:srgbClr val="000000">
+                    <a:alpha val="43137"/>
+                  </a:srgbClr>
+                </a:outerShdw>
+              </a:effectLst>
+            </a:endParaRPr>
+          </a:p>
+        </p:txBody>
+      </p:sp>
+      <p:pic>
+        <p:nvPicPr>
+          <p:cNvPr id="2052" name="Picture 4"/>
+          <p:cNvPicPr>
+            <a:picLocks noChangeAspect="1" noChangeArrowheads="1"/>
+          </p:cNvPicPr>
+          <p:nvPr/>
+        </p:nvPicPr>
+        <p:blipFill>
+          <a:blip r:embed="rId2">
+            <a:extLst>
+              <a:ext uri="{28A0092B-C50C-407E-A947-70E740481C1C}">
+                <a14:useLocalDpi xmlns:a14="http://schemas.microsoft.com/office/drawing/2010/main" val="0"/>
+              </a:ext>
+            </a:extLst>
+          </a:blip>
+          <a:srcRect/>
+          <a:stretch>
+            <a:fillRect/>
+          </a:stretch>
+        </p:blipFill>
+        <p:spPr bwMode="auto">
+          <a:xfrm>
+            <a:off x="309563" y="2924944"/>
+            <a:ext cx="8524875" cy="1752600"/>
+          </a:xfrm>
+          <a:prstGeom prst="rect">
+            <a:avLst/>
+          </a:prstGeom>
+          <a:noFill/>
+          <a:ln>
+            <a:noFill/>
+          </a:ln>
+          <a:extLst>
+            <a:ext uri="{909E8E84-426E-40DD-AFC4-6F175D3DCCD1}">
+              <a14:hiddenFill xmlns:a14="http://schemas.microsoft.com/office/drawing/2010/main">
+                <a:solidFill>
+                  <a:schemeClr val="accent1"/>
+                </a:solidFill>
+              </a14:hiddenFill>
+            </a:ext>
+            <a:ext uri="{91240B29-F687-4F45-9708-019B960494DF}">
+              <a14:hiddenLine xmlns:a14="http://schemas.microsoft.com/office/drawing/2010/main" w="9525">
+                <a:solidFill>
+                  <a:schemeClr val="tx1"/>
+                </a:solidFill>
+                <a:miter lim="800000"/>
+                <a:headEnd/>
+                <a:tailEnd/>
+              </a14:hiddenLine>
+            </a:ext>
+          </a:extLst>
+        </p:spPr>
+      </p:pic>
+      <p:sp>
+        <p:nvSpPr>
+          <p:cNvPr id="6" name="TextBox 5"/>
+          <p:cNvSpPr txBox="1"/>
+          <p:nvPr/>
+        </p:nvSpPr>
+        <p:spPr>
+          <a:xfrm>
+            <a:off x="1659376" y="6372036"/>
+            <a:ext cx="5825249" cy="369332"/>
+          </a:xfrm>
+          <a:prstGeom prst="rect">
+            <a:avLst/>
+          </a:prstGeom>
+          <a:noFill/>
+        </p:spPr>
+        <p:txBody>
+          <a:bodyPr wrap="none" rtlCol="0">
+            <a:spAutoFit/>
+          </a:bodyPr>
+          <a:lstStyle/>
+          <a:p>
+            <a:r>
+              <a:rPr lang="de-DE" dirty="0" smtClean="0"/>
+              <a:t>\src\examples\AngularJS - Shopping Cart\ShoppingCart.html</a:t>
+            </a:r>
+            <a:endParaRPr lang="de-DE" dirty="0"/>
+          </a:p>
+        </p:txBody>
+      </p:sp>
+      <p:sp>
+        <p:nvSpPr>
+          <p:cNvPr id="5" name="Title 1"/>
+          <p:cNvSpPr txBox="1">
+            <a:spLocks/>
+          </p:cNvSpPr>
+          <p:nvPr/>
+        </p:nvSpPr>
+        <p:spPr>
+          <a:xfrm>
+            <a:off x="457200" y="1340768"/>
+            <a:ext cx="8229600" cy="1143000"/>
+          </a:xfrm>
+          <a:prstGeom prst="rect">
+            <a:avLst/>
+          </a:prstGeom>
+          <a:effectLst>
+            <a:outerShdw blurRad="50800" dist="38100" dir="2700000" algn="tl" rotWithShape="0">
+              <a:prstClr val="black">
+                <a:alpha val="40000"/>
+              </a:prstClr>
+            </a:outerShdw>
+          </a:effectLst>
+        </p:spPr>
+        <p:txBody>
+          <a:bodyPr>
+            <a:normAutofit/>
+          </a:bodyPr>
+          <a:lstStyle>
+            <a:lvl1pPr algn="ctr" defTabSz="914400" rtl="0" eaLnBrk="1" latinLnBrk="0" hangingPunct="1">
+              <a:spcBef>
+                <a:spcPct val="0"/>
+              </a:spcBef>
+              <a:buNone/>
+              <a:defRPr sz="4400" kern="1200">
+                <a:solidFill>
+                  <a:schemeClr val="tx1"/>
+                </a:solidFill>
+                <a:latin typeface="+mj-lt"/>
+                <a:ea typeface="+mj-ea"/>
+                <a:cs typeface="+mj-cs"/>
+              </a:defRPr>
+            </a:lvl1pPr>
+          </a:lstStyle>
+          <a:p>
+            <a:r>
+              <a:rPr lang="de-DE" sz="4000" b="1" dirty="0">
+                <a:solidFill>
+                  <a:schemeClr val="accent6">
+                    <a:lumMod val="75000"/>
+                  </a:schemeClr>
+                </a:solidFill>
+                <a:effectLst>
+                  <a:outerShdw blurRad="38100" dist="38100" dir="2700000" algn="tl">
+                    <a:srgbClr val="000000">
+                      <a:alpha val="43137"/>
+                    </a:srgbClr>
+                  </a:outerShdw>
+                </a:effectLst>
+              </a:rPr>
+              <a:t>Shopping </a:t>
+            </a:r>
+            <a:r>
+              <a:rPr lang="de-DE" sz="4000" b="1" dirty="0" smtClean="0">
+                <a:solidFill>
+                  <a:schemeClr val="accent6">
+                    <a:lumMod val="75000"/>
+                  </a:schemeClr>
+                </a:solidFill>
+                <a:effectLst>
+                  <a:outerShdw blurRad="38100" dist="38100" dir="2700000" algn="tl">
+                    <a:srgbClr val="000000">
+                      <a:alpha val="43137"/>
+                    </a:srgbClr>
+                  </a:outerShdw>
+                </a:effectLst>
+              </a:rPr>
+              <a:t>Cart</a:t>
+            </a:r>
+            <a:endParaRPr lang="de-DE" sz="4000" b="1" dirty="0">
+              <a:solidFill>
+                <a:schemeClr val="accent6">
+                  <a:lumMod val="75000"/>
+                </a:schemeClr>
+              </a:solidFill>
+              <a:effectLst>
+                <a:outerShdw blurRad="38100" dist="38100" dir="2700000" algn="tl">
+                  <a:srgbClr val="000000">
+                    <a:alpha val="43137"/>
+                  </a:srgbClr>
+                </a:outerShdw>
+              </a:effectLst>
+            </a:endParaRPr>
+          </a:p>
+        </p:txBody>
+      </p:sp>
+    </p:spTree>
+    <p:extLst>
+      <p:ext uri="{BB962C8B-B14F-4D97-AF65-F5344CB8AC3E}">
+        <p14:creationId xmlns:p14="http://schemas.microsoft.com/office/powerpoint/2010/main" val="1641507072"/>
+      </p:ext>
+    </p:extLst>
+  </p:cSld>
+  <p:clrMapOvr>
+    <a:masterClrMapping/>
+  </p:clrMapOvr>
+  <p:timing>
+    <p:tnLst>
+      <p:par>
+        <p:cTn id="1" dur="indefinite" restart="never" nodeType="tmRoot"/>
+      </p:par>
+    </p:tnLst>
+  </p:timing>
+</p:sld>
+</file>
+
+<file path=ppt/slides/slide9.xml><?xml version="1.0" encoding="utf-8"?>
+<p:sld xmlns:a="http://schemas.openxmlformats.org/drawingml/2006/main" xmlns:r="http://schemas.openxmlformats.org/officeDocument/2006/relationships" xmlns:p="http://schemas.openxmlformats.org/presentationml/2006/main">
+  <p:cSld>
+    <p:bg>
+      <p:bgPr>
+        <a:solidFill>
+          <a:schemeClr val="tx1"/>
+        </a:solidFill>
+        <a:effectLst/>
+      </p:bgPr>
+    </p:bg>
+    <p:spTree>
+      <p:nvGrpSpPr>
+        <p:cNvPr id="1" name=""/>
+        <p:cNvGrpSpPr/>
+        <p:nvPr/>
+      </p:nvGrpSpPr>
+      <p:grpSpPr>
+        <a:xfrm>
+          <a:off x="0" y="0"/>
+          <a:ext cx="0" cy="0"/>
+          <a:chOff x="0" y="0"/>
+          <a:chExt cx="0" cy="0"/>
+        </a:xfrm>
+      </p:grpSpPr>
+      <p:sp>
+        <p:nvSpPr>
+          <p:cNvPr id="2" name="Title 1"/>
+          <p:cNvSpPr>
+            <a:spLocks noGrp="1"/>
+          </p:cNvSpPr>
+          <p:nvPr>
+            <p:ph type="title"/>
+          </p:nvPr>
+        </p:nvSpPr>
+        <p:spPr>
+          <a:effectLst>
+            <a:outerShdw blurRad="50800" dist="38100" dir="2700000" algn="tl" rotWithShape="0">
+              <a:prstClr val="black">
+                <a:alpha val="40000"/>
+              </a:prstClr>
+            </a:outerShdw>
+          </a:effectLst>
+        </p:spPr>
+        <p:txBody>
+          <a:bodyPr>
+            <a:normAutofit/>
+          </a:bodyPr>
+          <a:lstStyle/>
+          <a:p>
+            <a:r>
+              <a:rPr lang="de-DE" sz="6600" b="1" dirty="0" smtClean="0">
+                <a:solidFill>
+                  <a:schemeClr val="accent6">
+                    <a:lumMod val="75000"/>
+                  </a:schemeClr>
+                </a:solidFill>
+                <a:effectLst>
+                  <a:outerShdw blurRad="38100" dist="38100" dir="2700000" algn="tl">
+                    <a:srgbClr val="000000">
+                      <a:alpha val="43137"/>
+                    </a:srgbClr>
+                  </a:outerShdw>
+                </a:effectLst>
+              </a:rPr>
+              <a:t>Client-Side Templates</a:t>
+            </a:r>
+            <a:endParaRPr lang="de-DE" sz="6600" b="1" dirty="0">
+              <a:solidFill>
+                <a:schemeClr val="accent6">
+                  <a:lumMod val="75000"/>
+                </a:schemeClr>
+              </a:solidFill>
+              <a:effectLst>
+                <a:outerShdw blurRad="38100" dist="38100" dir="2700000" algn="tl">
+                  <a:srgbClr val="000000">
+                    <a:alpha val="43137"/>
+                  </a:srgbClr>
+                </a:outerShdw>
+              </a:effectLst>
+            </a:endParaRPr>
+          </a:p>
+        </p:txBody>
+      </p:sp>
+      <p:pic>
+        <p:nvPicPr>
+          <p:cNvPr id="3074" name="Picture 2"/>
+          <p:cNvPicPr>
+            <a:picLocks noChangeAspect="1" noChangeArrowheads="1"/>
+          </p:cNvPicPr>
+          <p:nvPr/>
+        </p:nvPicPr>
+        <p:blipFill>
+          <a:blip r:embed="rId2">
+            <a:extLst>
+              <a:ext uri="{28A0092B-C50C-407E-A947-70E740481C1C}">
+                <a14:useLocalDpi xmlns:a14="http://schemas.microsoft.com/office/drawing/2010/main" val="0"/>
+              </a:ext>
+            </a:extLst>
+          </a:blip>
+          <a:srcRect/>
+          <a:stretch>
+            <a:fillRect/>
+          </a:stretch>
+        </p:blipFill>
+        <p:spPr bwMode="auto">
+          <a:xfrm>
+            <a:off x="200681" y="1628800"/>
+            <a:ext cx="8742638" cy="3600400"/>
+          </a:xfrm>
+          <a:prstGeom prst="rect">
+            <a:avLst/>
+          </a:prstGeom>
+          <a:noFill/>
+          <a:ln>
+            <a:noFill/>
+          </a:ln>
+          <a:extLst>
+            <a:ext uri="{909E8E84-426E-40DD-AFC4-6F175D3DCCD1}">
+              <a14:hiddenFill xmlns:a14="http://schemas.microsoft.com/office/drawing/2010/main">
+                <a:solidFill>
+                  <a:schemeClr val="accent1"/>
+                </a:solidFill>
+              </a14:hiddenFill>
+            </a:ext>
+            <a:ext uri="{91240B29-F687-4F45-9708-019B960494DF}">
+              <a14:hiddenLine xmlns:a14="http://schemas.microsoft.com/office/drawing/2010/main" w="9525">
+                <a:solidFill>
+                  <a:schemeClr val="tx1"/>
+                </a:solidFill>
+                <a:miter lim="800000"/>
+                <a:headEnd/>
+                <a:tailEnd/>
+              </a14:hiddenLine>
+            </a:ext>
+          </a:extLst>
+        </p:spPr>
+      </p:pic>
+    </p:spTree>
+    <p:extLst>
+      <p:ext uri="{BB962C8B-B14F-4D97-AF65-F5344CB8AC3E}">
+        <p14:creationId xmlns:p14="http://schemas.microsoft.com/office/powerpoint/2010/main" val="3762800836"/>
+      </p:ext>
+    </p:extLst>
+  </p:cSld>
+  <p:clrMapOvr>
+    <a:masterClrMapping/>
+  </p:clrMapOvr>
+  <p:timing>
+    <p:tnLst>
+      <p:par>
+        <p:cTn id="1" dur="indefinite" restart="never" nodeType="tmRoot"/>
+      </p:par>
+    </p:tnLst>
   </p:timing>
 </p:sld>
 </file>
